--- a/specification/imgsrc/sbolv_general.pptx
+++ b/specification/imgsrc/sbolv_general.pptx
@@ -305,7 +305,7 @@
           <a:p>
             <a:fld id="{B519623D-D8C4-D246-A1F7-180DFBDF806B}" type="datetimeFigureOut">
               <a:rPr lang="en-US" smtClean="0"/>
-              <a:t>10/8/17</a:t>
+              <a:t>10/9/17</a:t>
             </a:fld>
             <a:endParaRPr lang="en-US"/>
           </a:p>
@@ -475,7 +475,7 @@
           <a:p>
             <a:fld id="{B519623D-D8C4-D246-A1F7-180DFBDF806B}" type="datetimeFigureOut">
               <a:rPr lang="en-US" smtClean="0"/>
-              <a:t>10/8/17</a:t>
+              <a:t>10/9/17</a:t>
             </a:fld>
             <a:endParaRPr lang="en-US"/>
           </a:p>
@@ -655,7 +655,7 @@
           <a:p>
             <a:fld id="{B519623D-D8C4-D246-A1F7-180DFBDF806B}" type="datetimeFigureOut">
               <a:rPr lang="en-US" smtClean="0"/>
-              <a:t>10/8/17</a:t>
+              <a:t>10/9/17</a:t>
             </a:fld>
             <a:endParaRPr lang="en-US"/>
           </a:p>
@@ -825,7 +825,7 @@
           <a:p>
             <a:fld id="{B519623D-D8C4-D246-A1F7-180DFBDF806B}" type="datetimeFigureOut">
               <a:rPr lang="en-US" smtClean="0"/>
-              <a:t>10/8/17</a:t>
+              <a:t>10/9/17</a:t>
             </a:fld>
             <a:endParaRPr lang="en-US"/>
           </a:p>
@@ -1071,7 +1071,7 @@
           <a:p>
             <a:fld id="{B519623D-D8C4-D246-A1F7-180DFBDF806B}" type="datetimeFigureOut">
               <a:rPr lang="en-US" smtClean="0"/>
-              <a:t>10/8/17</a:t>
+              <a:t>10/9/17</a:t>
             </a:fld>
             <a:endParaRPr lang="en-US"/>
           </a:p>
@@ -1359,7 +1359,7 @@
           <a:p>
             <a:fld id="{B519623D-D8C4-D246-A1F7-180DFBDF806B}" type="datetimeFigureOut">
               <a:rPr lang="en-US" smtClean="0"/>
-              <a:t>10/8/17</a:t>
+              <a:t>10/9/17</a:t>
             </a:fld>
             <a:endParaRPr lang="en-US"/>
           </a:p>
@@ -1781,7 +1781,7 @@
           <a:p>
             <a:fld id="{B519623D-D8C4-D246-A1F7-180DFBDF806B}" type="datetimeFigureOut">
               <a:rPr lang="en-US" smtClean="0"/>
-              <a:t>10/8/17</a:t>
+              <a:t>10/9/17</a:t>
             </a:fld>
             <a:endParaRPr lang="en-US"/>
           </a:p>
@@ -1899,7 +1899,7 @@
           <a:p>
             <a:fld id="{B519623D-D8C4-D246-A1F7-180DFBDF806B}" type="datetimeFigureOut">
               <a:rPr lang="en-US" smtClean="0"/>
-              <a:t>10/8/17</a:t>
+              <a:t>10/9/17</a:t>
             </a:fld>
             <a:endParaRPr lang="en-US"/>
           </a:p>
@@ -1994,7 +1994,7 @@
           <a:p>
             <a:fld id="{B519623D-D8C4-D246-A1F7-180DFBDF806B}" type="datetimeFigureOut">
               <a:rPr lang="en-US" smtClean="0"/>
-              <a:t>10/8/17</a:t>
+              <a:t>10/9/17</a:t>
             </a:fld>
             <a:endParaRPr lang="en-US"/>
           </a:p>
@@ -2271,7 +2271,7 @@
           <a:p>
             <a:fld id="{B519623D-D8C4-D246-A1F7-180DFBDF806B}" type="datetimeFigureOut">
               <a:rPr lang="en-US" smtClean="0"/>
-              <a:t>10/8/17</a:t>
+              <a:t>10/9/17</a:t>
             </a:fld>
             <a:endParaRPr lang="en-US"/>
           </a:p>
@@ -2524,7 +2524,7 @@
           <a:p>
             <a:fld id="{B519623D-D8C4-D246-A1F7-180DFBDF806B}" type="datetimeFigureOut">
               <a:rPr lang="en-US" smtClean="0"/>
-              <a:t>10/8/17</a:t>
+              <a:t>10/9/17</a:t>
             </a:fld>
             <a:endParaRPr lang="en-US"/>
           </a:p>
@@ -2737,7 +2737,7 @@
           <a:p>
             <a:fld id="{B519623D-D8C4-D246-A1F7-180DFBDF806B}" type="datetimeFigureOut">
               <a:rPr lang="en-US" smtClean="0"/>
-              <a:t>10/8/17</a:t>
+              <a:t>10/9/17</a:t>
             </a:fld>
             <a:endParaRPr lang="en-US"/>
           </a:p>
@@ -4688,6 +4688,64 @@
                 </a:solidFill>
               </a:rPr>
               <a:t>ComponentDefinition</a:t>
+            </a:r>
+            <a:endParaRPr lang="en-US" i="1" dirty="0">
+              <a:solidFill>
+                <a:schemeClr val="tx2"/>
+              </a:solidFill>
+            </a:endParaRPr>
+          </a:p>
+        </p:txBody>
+      </p:sp>
+      <p:sp>
+        <p:nvSpPr>
+          <p:cNvPr id="7" name="Cloud 6"/>
+          <p:cNvSpPr/>
+          <p:nvPr/>
+        </p:nvSpPr>
+        <p:spPr>
+          <a:xfrm>
+            <a:off x="7333884" y="1932994"/>
+            <a:ext cx="1647827" cy="774477"/>
+          </a:xfrm>
+          <a:prstGeom prst="cloud">
+            <a:avLst/>
+          </a:prstGeom>
+          <a:noFill/>
+          <a:ln w="19050" cmpd="sng">
+            <a:solidFill>
+              <a:schemeClr val="tx2"/>
+            </a:solidFill>
+            <a:prstDash val="sysDash"/>
+          </a:ln>
+          <a:effectLst/>
+        </p:spPr>
+        <p:style>
+          <a:lnRef idx="1">
+            <a:schemeClr val="accent1"/>
+          </a:lnRef>
+          <a:fillRef idx="3">
+            <a:schemeClr val="accent1"/>
+          </a:fillRef>
+          <a:effectRef idx="2">
+            <a:schemeClr val="accent1"/>
+          </a:effectRef>
+          <a:fontRef idx="minor">
+            <a:schemeClr val="lt1"/>
+          </a:fontRef>
+        </p:style>
+        <p:txBody>
+          <a:bodyPr wrap="none" rtlCol="0" anchor="ctr"/>
+          <a:lstStyle/>
+          <a:p>
+            <a:pPr algn="ctr"/>
+            <a:r>
+              <a:rPr lang="en-US" i="1" dirty="0" smtClean="0">
+                <a:solidFill>
+                  <a:schemeClr val="tx2"/>
+                </a:solidFill>
+              </a:rPr>
+              <a:t>Annotation</a:t>
             </a:r>
             <a:endParaRPr lang="en-US" i="1" dirty="0">
               <a:solidFill>

--- a/specification/imgsrc/sbolv_general.pptx
+++ b/specification/imgsrc/sbolv_general.pptx
@@ -305,7 +305,7 @@
           <a:p>
             <a:fld id="{B519623D-D8C4-D246-A1F7-180DFBDF806B}" type="datetimeFigureOut">
               <a:rPr lang="en-US" smtClean="0"/>
-              <a:t>10/9/17</a:t>
+              <a:t>10/12/17</a:t>
             </a:fld>
             <a:endParaRPr lang="en-US"/>
           </a:p>
@@ -475,7 +475,7 @@
           <a:p>
             <a:fld id="{B519623D-D8C4-D246-A1F7-180DFBDF806B}" type="datetimeFigureOut">
               <a:rPr lang="en-US" smtClean="0"/>
-              <a:t>10/9/17</a:t>
+              <a:t>10/12/17</a:t>
             </a:fld>
             <a:endParaRPr lang="en-US"/>
           </a:p>
@@ -655,7 +655,7 @@
           <a:p>
             <a:fld id="{B519623D-D8C4-D246-A1F7-180DFBDF806B}" type="datetimeFigureOut">
               <a:rPr lang="en-US" smtClean="0"/>
-              <a:t>10/9/17</a:t>
+              <a:t>10/12/17</a:t>
             </a:fld>
             <a:endParaRPr lang="en-US"/>
           </a:p>
@@ -825,7 +825,7 @@
           <a:p>
             <a:fld id="{B519623D-D8C4-D246-A1F7-180DFBDF806B}" type="datetimeFigureOut">
               <a:rPr lang="en-US" smtClean="0"/>
-              <a:t>10/9/17</a:t>
+              <a:t>10/12/17</a:t>
             </a:fld>
             <a:endParaRPr lang="en-US"/>
           </a:p>
@@ -1071,7 +1071,7 @@
           <a:p>
             <a:fld id="{B519623D-D8C4-D246-A1F7-180DFBDF806B}" type="datetimeFigureOut">
               <a:rPr lang="en-US" smtClean="0"/>
-              <a:t>10/9/17</a:t>
+              <a:t>10/12/17</a:t>
             </a:fld>
             <a:endParaRPr lang="en-US"/>
           </a:p>
@@ -1359,7 +1359,7 @@
           <a:p>
             <a:fld id="{B519623D-D8C4-D246-A1F7-180DFBDF806B}" type="datetimeFigureOut">
               <a:rPr lang="en-US" smtClean="0"/>
-              <a:t>10/9/17</a:t>
+              <a:t>10/12/17</a:t>
             </a:fld>
             <a:endParaRPr lang="en-US"/>
           </a:p>
@@ -1781,7 +1781,7 @@
           <a:p>
             <a:fld id="{B519623D-D8C4-D246-A1F7-180DFBDF806B}" type="datetimeFigureOut">
               <a:rPr lang="en-US" smtClean="0"/>
-              <a:t>10/9/17</a:t>
+              <a:t>10/12/17</a:t>
             </a:fld>
             <a:endParaRPr lang="en-US"/>
           </a:p>
@@ -1899,7 +1899,7 @@
           <a:p>
             <a:fld id="{B519623D-D8C4-D246-A1F7-180DFBDF806B}" type="datetimeFigureOut">
               <a:rPr lang="en-US" smtClean="0"/>
-              <a:t>10/9/17</a:t>
+              <a:t>10/12/17</a:t>
             </a:fld>
             <a:endParaRPr lang="en-US"/>
           </a:p>
@@ -1994,7 +1994,7 @@
           <a:p>
             <a:fld id="{B519623D-D8C4-D246-A1F7-180DFBDF806B}" type="datetimeFigureOut">
               <a:rPr lang="en-US" smtClean="0"/>
-              <a:t>10/9/17</a:t>
+              <a:t>10/12/17</a:t>
             </a:fld>
             <a:endParaRPr lang="en-US"/>
           </a:p>
@@ -2271,7 +2271,7 @@
           <a:p>
             <a:fld id="{B519623D-D8C4-D246-A1F7-180DFBDF806B}" type="datetimeFigureOut">
               <a:rPr lang="en-US" smtClean="0"/>
-              <a:t>10/9/17</a:t>
+              <a:t>10/12/17</a:t>
             </a:fld>
             <a:endParaRPr lang="en-US"/>
           </a:p>
@@ -2524,7 +2524,7 @@
           <a:p>
             <a:fld id="{B519623D-D8C4-D246-A1F7-180DFBDF806B}" type="datetimeFigureOut">
               <a:rPr lang="en-US" smtClean="0"/>
-              <a:t>10/9/17</a:t>
+              <a:t>10/12/17</a:t>
             </a:fld>
             <a:endParaRPr lang="en-US"/>
           </a:p>
@@ -2737,7 +2737,7 @@
           <a:p>
             <a:fld id="{B519623D-D8C4-D246-A1F7-180DFBDF806B}" type="datetimeFigureOut">
               <a:rPr lang="en-US" smtClean="0"/>
-              <a:t>10/9/17</a:t>
+              <a:t>10/12/17</a:t>
             </a:fld>
             <a:endParaRPr lang="en-US"/>
           </a:p>
@@ -3250,7 +3250,7 @@
         </p:nvSpPr>
         <p:spPr>
           <a:xfrm>
-            <a:off x="2679700" y="2860290"/>
+            <a:off x="2679700" y="3035101"/>
             <a:ext cx="1168400" cy="350140"/>
           </a:xfrm>
           <a:prstGeom prst="rightArrow">
@@ -3489,7 +3489,7 @@
         </p:nvSpPr>
         <p:spPr>
           <a:xfrm rot="10800000">
-            <a:off x="5813478" y="3217478"/>
+            <a:off x="5813478" y="3042667"/>
             <a:ext cx="1168400" cy="350140"/>
           </a:xfrm>
           <a:prstGeom prst="rightArrow">
@@ -3723,7 +3723,7 @@
         </p:nvSpPr>
         <p:spPr>
           <a:xfrm>
-            <a:off x="6168708" y="3173798"/>
+            <a:off x="6168708" y="3039328"/>
             <a:ext cx="631353" cy="369332"/>
           </a:xfrm>
           <a:prstGeom prst="rect">
@@ -4077,13 +4077,15 @@
       <p:cxnSp>
         <p:nvCxnSpPr>
           <p:cNvPr id="59" name="Straight Connector 58"/>
-          <p:cNvCxnSpPr/>
+          <p:cNvCxnSpPr>
+            <a:stCxn id="35" idx="2"/>
+          </p:cNvCxnSpPr>
           <p:nvPr/>
         </p:nvCxnSpPr>
         <p:spPr>
           <a:xfrm>
-            <a:off x="6703962" y="3629442"/>
-            <a:ext cx="241303" cy="685040"/>
+            <a:off x="6455924" y="3555468"/>
+            <a:ext cx="489341" cy="759014"/>
           </a:xfrm>
           <a:prstGeom prst="line">
             <a:avLst/>
@@ -4244,8 +4246,8 @@
         </p:nvCxnSpPr>
         <p:spPr>
           <a:xfrm flipH="1">
-            <a:off x="2057400" y="3063490"/>
-            <a:ext cx="914402" cy="670310"/>
+            <a:off x="2057401" y="3213161"/>
+            <a:ext cx="897020" cy="520639"/>
           </a:xfrm>
           <a:prstGeom prst="line">
             <a:avLst/>
@@ -4450,7 +4452,7 @@
         </p:nvSpPr>
         <p:spPr>
           <a:xfrm>
-            <a:off x="4052143" y="2530090"/>
+            <a:off x="4052143" y="2435961"/>
             <a:ext cx="1471403" cy="763250"/>
           </a:xfrm>
           <a:prstGeom prst="rect">
@@ -4490,23 +4492,26 @@
                   <a:schemeClr val="tx2"/>
                 </a:solidFill>
               </a:rPr>
-              <a:t>NA</a:t>
-            </a:r>
-            <a:r>
-              <a:rPr lang="en-US" i="1" dirty="0">
-                <a:solidFill>
-                  <a:schemeClr val="tx2"/>
-                </a:solidFill>
-              </a:rPr>
-              <a:t> </a:t>
-            </a:r>
+              <a:t>Feature on</a:t>
+            </a:r>
+          </a:p>
+          <a:p>
+            <a:pPr algn="ctr"/>
             <a:r>
               <a:rPr lang="en-US" i="1" dirty="0" smtClean="0">
                 <a:solidFill>
                   <a:schemeClr val="tx2"/>
                 </a:solidFill>
               </a:rPr>
-              <a:t>Component on + Strand</a:t>
+              <a:t>+ </a:t>
+            </a:r>
+            <a:r>
+              <a:rPr lang="en-US" i="1" dirty="0" smtClean="0">
+                <a:solidFill>
+                  <a:schemeClr val="tx2"/>
+                </a:solidFill>
+              </a:rPr>
+              <a:t>Strand</a:t>
             </a:r>
             <a:endParaRPr lang="en-US" i="1" dirty="0">
               <a:solidFill>
@@ -4524,7 +4529,7 @@
         </p:nvSpPr>
         <p:spPr>
           <a:xfrm>
-            <a:off x="5784362" y="3110585"/>
+            <a:off x="5784362" y="3231608"/>
             <a:ext cx="1471403" cy="763250"/>
           </a:xfrm>
           <a:prstGeom prst="rect">
@@ -4564,23 +4569,26 @@
                   <a:schemeClr val="tx2"/>
                 </a:solidFill>
               </a:rPr>
-              <a:t>NA</a:t>
-            </a:r>
-            <a:r>
-              <a:rPr lang="en-US" i="1" dirty="0">
-                <a:solidFill>
-                  <a:schemeClr val="tx2"/>
-                </a:solidFill>
-              </a:rPr>
-              <a:t> </a:t>
-            </a:r>
+              <a:t>Feature on</a:t>
+            </a:r>
+          </a:p>
+          <a:p>
+            <a:pPr algn="ctr"/>
             <a:r>
               <a:rPr lang="en-US" i="1" dirty="0" smtClean="0">
                 <a:solidFill>
                   <a:schemeClr val="tx2"/>
                 </a:solidFill>
               </a:rPr>
-              <a:t>Component on - Strand</a:t>
+              <a:t>- </a:t>
+            </a:r>
+            <a:r>
+              <a:rPr lang="en-US" i="1" dirty="0" smtClean="0">
+                <a:solidFill>
+                  <a:schemeClr val="tx2"/>
+                </a:solidFill>
+              </a:rPr>
+              <a:t>Strand</a:t>
             </a:r>
             <a:endParaRPr lang="en-US" i="1" dirty="0">
               <a:solidFill>
@@ -4638,7 +4646,15 @@
                   <a:schemeClr val="tx2"/>
                 </a:solidFill>
               </a:rPr>
-              <a:t>Nucleic Acid Component</a:t>
+              <a:t>Nucleic Acid </a:t>
+            </a:r>
+            <a:r>
+              <a:rPr lang="en-US" i="1" dirty="0" smtClean="0">
+                <a:solidFill>
+                  <a:schemeClr val="tx2"/>
+                </a:solidFill>
+              </a:rPr>
+              <a:t>Feature</a:t>
             </a:r>
             <a:endParaRPr lang="en-US" i="1" dirty="0">
               <a:solidFill>
@@ -4656,8 +4672,8 @@
         </p:nvSpPr>
         <p:spPr>
           <a:xfrm>
-            <a:off x="96089" y="2595438"/>
-            <a:ext cx="2236698" cy="646331"/>
+            <a:off x="96088" y="2877825"/>
+            <a:ext cx="2262839" cy="369332"/>
           </a:xfrm>
           <a:prstGeom prst="rect">
             <a:avLst/>
@@ -4666,28 +4682,26 @@
           <a:effectLst/>
         </p:spPr>
         <p:txBody>
-          <a:bodyPr wrap="none" rtlCol="0">
+          <a:bodyPr wrap="square" rtlCol="0">
             <a:spAutoFit/>
           </a:bodyPr>
           <a:lstStyle/>
           <a:p>
             <a:r>
-              <a:rPr lang="en-US" i="1" dirty="0" smtClean="0">
+              <a:rPr lang="en-US" i="1" smtClean="0">
                 <a:solidFill>
                   <a:schemeClr val="tx2"/>
                 </a:solidFill>
               </a:rPr>
-              <a:t>Nucleic Acid</a:t>
-            </a:r>
-          </a:p>
-          <a:p>
-            <a:r>
-              <a:rPr lang="en-US" i="1" dirty="0" err="1" smtClean="0">
+              <a:t>Nucleic </a:t>
+            </a:r>
+            <a:r>
+              <a:rPr lang="en-US" i="1" smtClean="0">
                 <a:solidFill>
                   <a:schemeClr val="tx2"/>
                 </a:solidFill>
               </a:rPr>
-              <a:t>ComponentDefinition</a:t>
+              <a:t>Acid Construct</a:t>
             </a:r>
             <a:endParaRPr lang="en-US" i="1" dirty="0">
               <a:solidFill>

--- a/specification/imgsrc/sbolv_general.pptx
+++ b/specification/imgsrc/sbolv_general.pptx
@@ -305,7 +305,7 @@
           <a:p>
             <a:fld id="{B519623D-D8C4-D246-A1F7-180DFBDF806B}" type="datetimeFigureOut">
               <a:rPr lang="en-US" smtClean="0"/>
-              <a:t>10/12/17</a:t>
+              <a:t>11/22/17</a:t>
             </a:fld>
             <a:endParaRPr lang="en-US"/>
           </a:p>
@@ -475,7 +475,7 @@
           <a:p>
             <a:fld id="{B519623D-D8C4-D246-A1F7-180DFBDF806B}" type="datetimeFigureOut">
               <a:rPr lang="en-US" smtClean="0"/>
-              <a:t>10/12/17</a:t>
+              <a:t>11/22/17</a:t>
             </a:fld>
             <a:endParaRPr lang="en-US"/>
           </a:p>
@@ -655,7 +655,7 @@
           <a:p>
             <a:fld id="{B519623D-D8C4-D246-A1F7-180DFBDF806B}" type="datetimeFigureOut">
               <a:rPr lang="en-US" smtClean="0"/>
-              <a:t>10/12/17</a:t>
+              <a:t>11/22/17</a:t>
             </a:fld>
             <a:endParaRPr lang="en-US"/>
           </a:p>
@@ -825,7 +825,7 @@
           <a:p>
             <a:fld id="{B519623D-D8C4-D246-A1F7-180DFBDF806B}" type="datetimeFigureOut">
               <a:rPr lang="en-US" smtClean="0"/>
-              <a:t>10/12/17</a:t>
+              <a:t>11/22/17</a:t>
             </a:fld>
             <a:endParaRPr lang="en-US"/>
           </a:p>
@@ -1071,7 +1071,7 @@
           <a:p>
             <a:fld id="{B519623D-D8C4-D246-A1F7-180DFBDF806B}" type="datetimeFigureOut">
               <a:rPr lang="en-US" smtClean="0"/>
-              <a:t>10/12/17</a:t>
+              <a:t>11/22/17</a:t>
             </a:fld>
             <a:endParaRPr lang="en-US"/>
           </a:p>
@@ -1359,7 +1359,7 @@
           <a:p>
             <a:fld id="{B519623D-D8C4-D246-A1F7-180DFBDF806B}" type="datetimeFigureOut">
               <a:rPr lang="en-US" smtClean="0"/>
-              <a:t>10/12/17</a:t>
+              <a:t>11/22/17</a:t>
             </a:fld>
             <a:endParaRPr lang="en-US"/>
           </a:p>
@@ -1781,7 +1781,7 @@
           <a:p>
             <a:fld id="{B519623D-D8C4-D246-A1F7-180DFBDF806B}" type="datetimeFigureOut">
               <a:rPr lang="en-US" smtClean="0"/>
-              <a:t>10/12/17</a:t>
+              <a:t>11/22/17</a:t>
             </a:fld>
             <a:endParaRPr lang="en-US"/>
           </a:p>
@@ -1899,7 +1899,7 @@
           <a:p>
             <a:fld id="{B519623D-D8C4-D246-A1F7-180DFBDF806B}" type="datetimeFigureOut">
               <a:rPr lang="en-US" smtClean="0"/>
-              <a:t>10/12/17</a:t>
+              <a:t>11/22/17</a:t>
             </a:fld>
             <a:endParaRPr lang="en-US"/>
           </a:p>
@@ -1994,7 +1994,7 @@
           <a:p>
             <a:fld id="{B519623D-D8C4-D246-A1F7-180DFBDF806B}" type="datetimeFigureOut">
               <a:rPr lang="en-US" smtClean="0"/>
-              <a:t>10/12/17</a:t>
+              <a:t>11/22/17</a:t>
             </a:fld>
             <a:endParaRPr lang="en-US"/>
           </a:p>
@@ -2271,7 +2271,7 @@
           <a:p>
             <a:fld id="{B519623D-D8C4-D246-A1F7-180DFBDF806B}" type="datetimeFigureOut">
               <a:rPr lang="en-US" smtClean="0"/>
-              <a:t>10/12/17</a:t>
+              <a:t>11/22/17</a:t>
             </a:fld>
             <a:endParaRPr lang="en-US"/>
           </a:p>
@@ -2524,7 +2524,7 @@
           <a:p>
             <a:fld id="{B519623D-D8C4-D246-A1F7-180DFBDF806B}" type="datetimeFigureOut">
               <a:rPr lang="en-US" smtClean="0"/>
-              <a:t>10/12/17</a:t>
+              <a:t>11/22/17</a:t>
             </a:fld>
             <a:endParaRPr lang="en-US"/>
           </a:p>
@@ -2737,7 +2737,7 @@
           <a:p>
             <a:fld id="{B519623D-D8C4-D246-A1F7-180DFBDF806B}" type="datetimeFigureOut">
               <a:rPr lang="en-US" smtClean="0"/>
-              <a:t>10/12/17</a:t>
+              <a:t>11/22/17</a:t>
             </a:fld>
             <a:endParaRPr lang="en-US"/>
           </a:p>
@@ -3754,7 +3754,7 @@
         </p:nvCxnSpPr>
         <p:spPr>
           <a:xfrm flipH="1">
-            <a:off x="4995998" y="2124943"/>
+            <a:off x="5601113" y="2124943"/>
             <a:ext cx="632191" cy="1001467"/>
           </a:xfrm>
           <a:prstGeom prst="line">
@@ -3797,7 +3797,7 @@
         </p:nvSpPr>
         <p:spPr>
           <a:xfrm>
-            <a:off x="4788297" y="1754036"/>
+            <a:off x="5393412" y="1754036"/>
             <a:ext cx="2343535" cy="369332"/>
           </a:xfrm>
           <a:prstGeom prst="rect">
@@ -3843,7 +3843,7 @@
         <p:spPr>
           <a:xfrm>
             <a:off x="562401" y="1151624"/>
-            <a:ext cx="3236784" cy="369332"/>
+            <a:ext cx="2590966" cy="369332"/>
           </a:xfrm>
           <a:prstGeom prst="rect">
             <a:avLst/>
@@ -3866,7 +3866,7 @@
                   </a:schemeClr>
                 </a:solidFill>
               </a:rPr>
-              <a:t>Nucleic Acid Component Glyphs</a:t>
+              <a:t>Sequence Feature Glyphs</a:t>
             </a:r>
             <a:endParaRPr lang="en-US" b="1" dirty="0">
               <a:solidFill>
@@ -3949,8 +3949,8 @@
         </p:nvCxnSpPr>
         <p:spPr>
           <a:xfrm flipH="1">
-            <a:off x="1443789" y="1520956"/>
-            <a:ext cx="737004" cy="876482"/>
+            <a:off x="1443793" y="1520956"/>
+            <a:ext cx="414091" cy="876482"/>
           </a:xfrm>
           <a:prstGeom prst="line">
             <a:avLst/>
@@ -3993,9 +3993,9 @@
           <p:nvPr/>
         </p:nvCxnSpPr>
         <p:spPr>
-          <a:xfrm flipH="1">
-            <a:off x="2133600" y="1520956"/>
-            <a:ext cx="47193" cy="1237734"/>
+          <a:xfrm>
+            <a:off x="1857884" y="1520956"/>
+            <a:ext cx="275717" cy="1237734"/>
           </a:xfrm>
           <a:prstGeom prst="line">
             <a:avLst/>
@@ -4039,8 +4039,8 @@
         </p:nvCxnSpPr>
         <p:spPr>
           <a:xfrm>
-            <a:off x="2180793" y="1520956"/>
-            <a:ext cx="773628" cy="1187134"/>
+            <a:off x="1857884" y="1520956"/>
+            <a:ext cx="1096537" cy="1187134"/>
           </a:xfrm>
           <a:prstGeom prst="line">
             <a:avLst/>
@@ -4077,15 +4077,13 @@
       <p:cxnSp>
         <p:nvCxnSpPr>
           <p:cNvPr id="59" name="Straight Connector 58"/>
-          <p:cNvCxnSpPr>
-            <a:stCxn id="35" idx="2"/>
-          </p:cNvCxnSpPr>
+          <p:cNvCxnSpPr/>
           <p:nvPr/>
         </p:nvCxnSpPr>
         <p:spPr>
           <a:xfrm>
-            <a:off x="6455924" y="3555468"/>
-            <a:ext cx="489341" cy="759014"/>
+            <a:off x="6743140" y="3423447"/>
+            <a:ext cx="202125" cy="891035"/>
           </a:xfrm>
           <a:prstGeom prst="line">
             <a:avLst/>
@@ -4349,6 +4347,405 @@
             <a:round/>
             <a:headEnd type="none" w="med" len="med"/>
             <a:tailEnd type="none" w="med" len="med"/>
+          </a:ln>
+          <a:effectLst/>
+        </p:spPr>
+        <p:style>
+          <a:lnRef idx="2">
+            <a:schemeClr val="accent1"/>
+          </a:lnRef>
+          <a:fillRef idx="0">
+            <a:schemeClr val="accent1"/>
+          </a:fillRef>
+          <a:effectRef idx="1">
+            <a:schemeClr val="accent1"/>
+          </a:effectRef>
+          <a:fontRef idx="minor">
+            <a:schemeClr val="tx1"/>
+          </a:fontRef>
+        </p:style>
+      </p:cxnSp>
+      <p:cxnSp>
+        <p:nvCxnSpPr>
+          <p:cNvPr id="28" name="Elbow Connector 27"/>
+          <p:cNvCxnSpPr>
+            <a:stCxn id="19" idx="2"/>
+          </p:cNvCxnSpPr>
+          <p:nvPr/>
+        </p:nvCxnSpPr>
+        <p:spPr>
+          <a:xfrm rot="5400000" flipH="1">
+            <a:off x="3680794" y="605069"/>
+            <a:ext cx="60326" cy="5546857"/>
+          </a:xfrm>
+          <a:prstGeom prst="bentConnector4">
+            <a:avLst>
+              <a:gd name="adj1" fmla="val -1404313"/>
+              <a:gd name="adj2" fmla="val 100119"/>
+            </a:avLst>
+          </a:prstGeom>
+          <a:ln w="38100">
+            <a:solidFill>
+              <a:srgbClr val="FF0000"/>
+            </a:solidFill>
+            <a:headEnd type="none"/>
+            <a:tailEnd type="none" w="lg" len="sm"/>
+          </a:ln>
+          <a:effectLst/>
+        </p:spPr>
+        <p:style>
+          <a:lnRef idx="2">
+            <a:schemeClr val="accent1"/>
+          </a:lnRef>
+          <a:fillRef idx="0">
+            <a:schemeClr val="accent1"/>
+          </a:fillRef>
+          <a:effectRef idx="1">
+            <a:schemeClr val="accent1"/>
+          </a:effectRef>
+          <a:fontRef idx="minor">
+            <a:schemeClr val="tx1"/>
+          </a:fontRef>
+        </p:style>
+      </p:cxnSp>
+      <p:sp>
+        <p:nvSpPr>
+          <p:cNvPr id="38" name="TextBox 37"/>
+          <p:cNvSpPr txBox="1"/>
+          <p:nvPr/>
+        </p:nvSpPr>
+        <p:spPr>
+          <a:xfrm>
+            <a:off x="3309251" y="3663776"/>
+            <a:ext cx="1334094" cy="369332"/>
+          </a:xfrm>
+          <a:prstGeom prst="rect">
+            <a:avLst/>
+          </a:prstGeom>
+          <a:noFill/>
+          <a:effectLst/>
+        </p:spPr>
+        <p:txBody>
+          <a:bodyPr wrap="none" rtlCol="0">
+            <a:spAutoFit/>
+          </a:bodyPr>
+          <a:lstStyle/>
+          <a:p>
+            <a:r>
+              <a:rPr lang="en-US" b="1" dirty="0" smtClean="0">
+                <a:solidFill>
+                  <a:schemeClr val="tx1">
+                    <a:lumMod val="65000"/>
+                    <a:lumOff val="35000"/>
+                  </a:schemeClr>
+                </a:solidFill>
+              </a:rPr>
+              <a:t>Interactions</a:t>
+            </a:r>
+            <a:endParaRPr lang="en-US" b="1" dirty="0">
+              <a:solidFill>
+                <a:schemeClr val="tx1">
+                  <a:lumMod val="65000"/>
+                  <a:lumOff val="35000"/>
+                </a:schemeClr>
+              </a:solidFill>
+            </a:endParaRPr>
+          </a:p>
+        </p:txBody>
+      </p:sp>
+      <p:cxnSp>
+        <p:nvCxnSpPr>
+          <p:cNvPr id="39" name="Straight Connector 38"/>
+          <p:cNvCxnSpPr/>
+          <p:nvPr/>
+        </p:nvCxnSpPr>
+        <p:spPr>
+          <a:xfrm flipV="1">
+            <a:off x="3306661" y="3941400"/>
+            <a:ext cx="590995" cy="262293"/>
+          </a:xfrm>
+          <a:prstGeom prst="line">
+            <a:avLst/>
+          </a:prstGeom>
+          <a:ln w="12700" cap="flat" cmpd="sng" algn="ctr">
+            <a:solidFill>
+              <a:schemeClr val="tx1">
+                <a:lumMod val="65000"/>
+                <a:lumOff val="35000"/>
+              </a:schemeClr>
+            </a:solidFill>
+            <a:prstDash val="solid"/>
+            <a:round/>
+            <a:headEnd type="none" w="med" len="med"/>
+            <a:tailEnd type="none" w="med" len="med"/>
+          </a:ln>
+          <a:effectLst/>
+        </p:spPr>
+        <p:style>
+          <a:lnRef idx="2">
+            <a:schemeClr val="accent1"/>
+          </a:lnRef>
+          <a:fillRef idx="0">
+            <a:schemeClr val="accent1"/>
+          </a:fillRef>
+          <a:effectRef idx="1">
+            <a:schemeClr val="accent1"/>
+          </a:effectRef>
+          <a:fontRef idx="minor">
+            <a:schemeClr val="tx1"/>
+          </a:fontRef>
+        </p:style>
+      </p:cxnSp>
+      <p:sp>
+        <p:nvSpPr>
+          <p:cNvPr id="40" name="Oval 39"/>
+          <p:cNvSpPr/>
+          <p:nvPr/>
+        </p:nvSpPr>
+        <p:spPr>
+          <a:xfrm>
+            <a:off x="4739128" y="2110096"/>
+            <a:ext cx="734572" cy="432955"/>
+          </a:xfrm>
+          <a:prstGeom prst="ellipse">
+            <a:avLst/>
+          </a:prstGeom>
+          <a:solidFill>
+            <a:srgbClr val="008000"/>
+          </a:solidFill>
+          <a:ln w="38100" cmpd="sng">
+            <a:solidFill>
+              <a:schemeClr val="tx1"/>
+            </a:solidFill>
+          </a:ln>
+          <a:effectLst/>
+        </p:spPr>
+        <p:style>
+          <a:lnRef idx="1">
+            <a:schemeClr val="accent1"/>
+          </a:lnRef>
+          <a:fillRef idx="3">
+            <a:schemeClr val="accent1"/>
+          </a:fillRef>
+          <a:effectRef idx="2">
+            <a:schemeClr val="accent1"/>
+          </a:effectRef>
+          <a:fontRef idx="minor">
+            <a:schemeClr val="lt1"/>
+          </a:fontRef>
+        </p:style>
+        <p:txBody>
+          <a:bodyPr wrap="none" rtlCol="0" anchor="ctr"/>
+          <a:lstStyle/>
+          <a:p>
+            <a:pPr algn="ctr"/>
+            <a:r>
+              <a:rPr lang="en-US" dirty="0" smtClean="0">
+                <a:solidFill>
+                  <a:srgbClr val="000000"/>
+                </a:solidFill>
+              </a:rPr>
+              <a:t>GFP</a:t>
+            </a:r>
+            <a:endParaRPr lang="en-US" dirty="0">
+              <a:solidFill>
+                <a:srgbClr val="000000"/>
+              </a:solidFill>
+            </a:endParaRPr>
+          </a:p>
+        </p:txBody>
+      </p:sp>
+      <p:cxnSp>
+        <p:nvCxnSpPr>
+          <p:cNvPr id="41" name="Straight Connector 21"/>
+          <p:cNvCxnSpPr/>
+          <p:nvPr/>
+        </p:nvCxnSpPr>
+        <p:spPr>
+          <a:xfrm flipV="1">
+            <a:off x="3163635" y="2326574"/>
+            <a:ext cx="1575493" cy="695080"/>
+          </a:xfrm>
+          <a:prstGeom prst="bentConnector3">
+            <a:avLst>
+              <a:gd name="adj1" fmla="val -63"/>
+            </a:avLst>
+          </a:prstGeom>
+          <a:ln w="38100" cmpd="sng">
+            <a:solidFill>
+              <a:srgbClr val="000000"/>
+            </a:solidFill>
+            <a:headEnd type="none"/>
+            <a:tailEnd type="triangle"/>
+          </a:ln>
+          <a:effectLst/>
+        </p:spPr>
+        <p:style>
+          <a:lnRef idx="2">
+            <a:schemeClr val="accent1"/>
+          </a:lnRef>
+          <a:fillRef idx="0">
+            <a:schemeClr val="accent1"/>
+          </a:fillRef>
+          <a:effectRef idx="1">
+            <a:schemeClr val="accent1"/>
+          </a:effectRef>
+          <a:fontRef idx="minor">
+            <a:schemeClr val="tx1"/>
+          </a:fontRef>
+        </p:style>
+      </p:cxnSp>
+      <p:cxnSp>
+        <p:nvCxnSpPr>
+          <p:cNvPr id="42" name="Straight Connector 41"/>
+          <p:cNvCxnSpPr/>
+          <p:nvPr/>
+        </p:nvCxnSpPr>
+        <p:spPr>
+          <a:xfrm flipH="1" flipV="1">
+            <a:off x="3846091" y="2320851"/>
+            <a:ext cx="103131" cy="1423510"/>
+          </a:xfrm>
+          <a:prstGeom prst="line">
+            <a:avLst/>
+          </a:prstGeom>
+          <a:ln w="12700" cap="flat" cmpd="sng" algn="ctr">
+            <a:solidFill>
+              <a:schemeClr val="tx1">
+                <a:lumMod val="65000"/>
+                <a:lumOff val="35000"/>
+              </a:schemeClr>
+            </a:solidFill>
+            <a:prstDash val="solid"/>
+            <a:round/>
+            <a:headEnd type="none" w="med" len="med"/>
+            <a:tailEnd type="none" w="med" len="med"/>
+          </a:ln>
+          <a:effectLst/>
+        </p:spPr>
+        <p:style>
+          <a:lnRef idx="2">
+            <a:schemeClr val="accent1"/>
+          </a:lnRef>
+          <a:fillRef idx="0">
+            <a:schemeClr val="accent1"/>
+          </a:fillRef>
+          <a:effectRef idx="1">
+            <a:schemeClr val="accent1"/>
+          </a:effectRef>
+          <a:fontRef idx="minor">
+            <a:schemeClr val="tx1"/>
+          </a:fontRef>
+        </p:style>
+      </p:cxnSp>
+      <p:sp>
+        <p:nvSpPr>
+          <p:cNvPr id="45" name="TextBox 44"/>
+          <p:cNvSpPr txBox="1"/>
+          <p:nvPr/>
+        </p:nvSpPr>
+        <p:spPr>
+          <a:xfrm>
+            <a:off x="2834296" y="1443303"/>
+            <a:ext cx="2616422" cy="369332"/>
+          </a:xfrm>
+          <a:prstGeom prst="rect">
+            <a:avLst/>
+          </a:prstGeom>
+          <a:noFill/>
+          <a:effectLst/>
+        </p:spPr>
+        <p:txBody>
+          <a:bodyPr wrap="none" rtlCol="0">
+            <a:spAutoFit/>
+          </a:bodyPr>
+          <a:lstStyle/>
+          <a:p>
+            <a:r>
+              <a:rPr lang="en-US" b="1" smtClean="0">
+                <a:solidFill>
+                  <a:schemeClr val="tx1">
+                    <a:lumMod val="65000"/>
+                    <a:lumOff val="35000"/>
+                  </a:schemeClr>
+                </a:solidFill>
+              </a:rPr>
+              <a:t>Molecular Species Glyph</a:t>
+            </a:r>
+            <a:endParaRPr lang="en-US" b="1" dirty="0">
+              <a:solidFill>
+                <a:schemeClr val="tx1">
+                  <a:lumMod val="65000"/>
+                  <a:lumOff val="35000"/>
+                </a:schemeClr>
+              </a:solidFill>
+            </a:endParaRPr>
+          </a:p>
+        </p:txBody>
+      </p:sp>
+      <p:cxnSp>
+        <p:nvCxnSpPr>
+          <p:cNvPr id="46" name="Straight Connector 45"/>
+          <p:cNvCxnSpPr>
+            <a:endCxn id="40" idx="1"/>
+          </p:cNvCxnSpPr>
+          <p:nvPr/>
+        </p:nvCxnSpPr>
+        <p:spPr>
+          <a:xfrm>
+            <a:off x="4455479" y="1798800"/>
+            <a:ext cx="391225" cy="374701"/>
+          </a:xfrm>
+          <a:prstGeom prst="line">
+            <a:avLst/>
+          </a:prstGeom>
+          <a:ln w="12700" cap="flat" cmpd="sng" algn="ctr">
+            <a:solidFill>
+              <a:schemeClr val="tx1">
+                <a:lumMod val="65000"/>
+                <a:lumOff val="35000"/>
+              </a:schemeClr>
+            </a:solidFill>
+            <a:prstDash val="solid"/>
+            <a:round/>
+            <a:headEnd type="none" w="med" len="med"/>
+            <a:tailEnd type="none" w="med" len="med"/>
+          </a:ln>
+          <a:effectLst/>
+        </p:spPr>
+        <p:style>
+          <a:lnRef idx="2">
+            <a:schemeClr val="accent1"/>
+          </a:lnRef>
+          <a:fillRef idx="0">
+            <a:schemeClr val="accent1"/>
+          </a:fillRef>
+          <a:effectRef idx="1">
+            <a:schemeClr val="accent1"/>
+          </a:effectRef>
+          <a:fontRef idx="minor">
+            <a:schemeClr val="tx1"/>
+          </a:fontRef>
+        </p:style>
+      </p:cxnSp>
+      <p:cxnSp>
+        <p:nvCxnSpPr>
+          <p:cNvPr id="48" name="Straight Connector 47"/>
+          <p:cNvCxnSpPr/>
+          <p:nvPr/>
+        </p:nvCxnSpPr>
+        <p:spPr>
+          <a:xfrm>
+            <a:off x="809028" y="3348332"/>
+            <a:ext cx="252039" cy="0"/>
+          </a:xfrm>
+          <a:prstGeom prst="line">
+            <a:avLst/>
+          </a:prstGeom>
+          <a:ln w="38100" cmpd="sng">
+            <a:solidFill>
+              <a:srgbClr val="FF0000"/>
+            </a:solidFill>
           </a:ln>
           <a:effectLst/>
         </p:spPr>
@@ -4503,15 +4900,7 @@
                   <a:schemeClr val="tx2"/>
                 </a:solidFill>
               </a:rPr>
-              <a:t>+ </a:t>
-            </a:r>
-            <a:r>
-              <a:rPr lang="en-US" i="1" dirty="0" smtClean="0">
-                <a:solidFill>
-                  <a:schemeClr val="tx2"/>
-                </a:solidFill>
-              </a:rPr>
-              <a:t>Strand</a:t>
+              <a:t>+ Strand</a:t>
             </a:r>
             <a:endParaRPr lang="en-US" i="1" dirty="0">
               <a:solidFill>
@@ -4580,15 +4969,7 @@
                   <a:schemeClr val="tx2"/>
                 </a:solidFill>
               </a:rPr>
-              <a:t>- </a:t>
-            </a:r>
-            <a:r>
-              <a:rPr lang="en-US" i="1" dirty="0" smtClean="0">
-                <a:solidFill>
-                  <a:schemeClr val="tx2"/>
-                </a:solidFill>
-              </a:rPr>
-              <a:t>Strand</a:t>
+              <a:t>- Strand</a:t>
             </a:r>
             <a:endParaRPr lang="en-US" i="1" dirty="0">
               <a:solidFill>
@@ -4646,15 +5027,7 @@
                   <a:schemeClr val="tx2"/>
                 </a:solidFill>
               </a:rPr>
-              <a:t>Nucleic Acid </a:t>
-            </a:r>
-            <a:r>
-              <a:rPr lang="en-US" i="1" dirty="0" smtClean="0">
-                <a:solidFill>
-                  <a:schemeClr val="tx2"/>
-                </a:solidFill>
-              </a:rPr>
-              <a:t>Feature</a:t>
+              <a:t>Sequence Feature</a:t>
             </a:r>
             <a:endParaRPr lang="en-US" i="1" dirty="0">
               <a:solidFill>
@@ -4693,15 +5066,7 @@
                   <a:schemeClr val="tx2"/>
                 </a:solidFill>
               </a:rPr>
-              <a:t>Nucleic </a:t>
-            </a:r>
-            <a:r>
-              <a:rPr lang="en-US" i="1" smtClean="0">
-                <a:solidFill>
-                  <a:schemeClr val="tx2"/>
-                </a:solidFill>
-              </a:rPr>
-              <a:t>Acid Construct</a:t>
+              <a:t>Nucleic Acid Construct</a:t>
             </a:r>
             <a:endParaRPr lang="en-US" i="1" dirty="0">
               <a:solidFill>
@@ -4760,6 +5125,371 @@
                 </a:solidFill>
               </a:rPr>
               <a:t>Annotation</a:t>
+            </a:r>
+            <a:endParaRPr lang="en-US" i="1" dirty="0">
+              <a:solidFill>
+                <a:schemeClr val="tx2"/>
+              </a:solidFill>
+            </a:endParaRPr>
+          </a:p>
+        </p:txBody>
+      </p:sp>
+      <p:sp>
+        <p:nvSpPr>
+          <p:cNvPr id="8" name="Rectangle 7"/>
+          <p:cNvSpPr/>
+          <p:nvPr/>
+        </p:nvSpPr>
+        <p:spPr>
+          <a:xfrm>
+            <a:off x="5687425" y="1139518"/>
+            <a:ext cx="1471403" cy="606152"/>
+          </a:xfrm>
+          <a:prstGeom prst="rect">
+            <a:avLst/>
+          </a:prstGeom>
+          <a:noFill/>
+          <a:ln w="19050" cmpd="sng">
+            <a:solidFill>
+              <a:schemeClr val="tx2"/>
+            </a:solidFill>
+            <a:prstDash val="sysDash"/>
+          </a:ln>
+          <a:effectLst/>
+        </p:spPr>
+        <p:style>
+          <a:lnRef idx="1">
+            <a:schemeClr val="accent1"/>
+          </a:lnRef>
+          <a:fillRef idx="3">
+            <a:schemeClr val="accent1"/>
+          </a:fillRef>
+          <a:effectRef idx="2">
+            <a:schemeClr val="accent1"/>
+          </a:effectRef>
+          <a:fontRef idx="minor">
+            <a:schemeClr val="lt1"/>
+          </a:fontRef>
+        </p:style>
+        <p:txBody>
+          <a:bodyPr rtlCol="0" anchor="ctr"/>
+          <a:lstStyle/>
+          <a:p>
+            <a:pPr algn="ctr"/>
+            <a:r>
+              <a:rPr lang="en-US" i="1" dirty="0" smtClean="0">
+                <a:solidFill>
+                  <a:schemeClr val="tx2"/>
+                </a:solidFill>
+              </a:rPr>
+              <a:t>Molecular Species</a:t>
+            </a:r>
+            <a:endParaRPr lang="en-US" i="1" dirty="0">
+              <a:solidFill>
+                <a:schemeClr val="tx2"/>
+              </a:solidFill>
+            </a:endParaRPr>
+          </a:p>
+        </p:txBody>
+      </p:sp>
+      <p:sp>
+        <p:nvSpPr>
+          <p:cNvPr id="9" name="Rectangle 8"/>
+          <p:cNvSpPr/>
+          <p:nvPr/>
+        </p:nvSpPr>
+        <p:spPr>
+          <a:xfrm>
+            <a:off x="2985954" y="1139518"/>
+            <a:ext cx="1471403" cy="606152"/>
+          </a:xfrm>
+          <a:prstGeom prst="rect">
+            <a:avLst/>
+          </a:prstGeom>
+          <a:noFill/>
+          <a:ln w="19050" cmpd="sng">
+            <a:solidFill>
+              <a:schemeClr val="tx2"/>
+            </a:solidFill>
+            <a:prstDash val="sysDash"/>
+          </a:ln>
+          <a:effectLst/>
+        </p:spPr>
+        <p:style>
+          <a:lnRef idx="1">
+            <a:schemeClr val="accent1"/>
+          </a:lnRef>
+          <a:fillRef idx="3">
+            <a:schemeClr val="accent1"/>
+          </a:fillRef>
+          <a:effectRef idx="2">
+            <a:schemeClr val="accent1"/>
+          </a:effectRef>
+          <a:fontRef idx="minor">
+            <a:schemeClr val="lt1"/>
+          </a:fontRef>
+        </p:style>
+        <p:txBody>
+          <a:bodyPr rtlCol="0" anchor="ctr"/>
+          <a:lstStyle/>
+          <a:p>
+            <a:pPr algn="ctr"/>
+            <a:r>
+              <a:rPr lang="en-US" i="1" dirty="0" smtClean="0">
+                <a:solidFill>
+                  <a:schemeClr val="tx2"/>
+                </a:solidFill>
+              </a:rPr>
+              <a:t>Molecular Species</a:t>
+            </a:r>
+            <a:endParaRPr lang="en-US" i="1" dirty="0">
+              <a:solidFill>
+                <a:schemeClr val="tx2"/>
+              </a:solidFill>
+            </a:endParaRPr>
+          </a:p>
+        </p:txBody>
+      </p:sp>
+      <p:cxnSp>
+        <p:nvCxnSpPr>
+          <p:cNvPr id="10" name="Straight Connector 38"/>
+          <p:cNvCxnSpPr>
+            <a:stCxn id="35" idx="0"/>
+            <a:endCxn id="8" idx="2"/>
+          </p:cNvCxnSpPr>
+          <p:nvPr/>
+        </p:nvCxnSpPr>
+        <p:spPr>
+          <a:xfrm rot="5400000" flipH="1" flipV="1">
+            <a:off x="5260341" y="1273175"/>
+            <a:ext cx="690291" cy="1635282"/>
+          </a:xfrm>
+          <a:prstGeom prst="curvedConnector3">
+            <a:avLst>
+              <a:gd name="adj1" fmla="val 50000"/>
+            </a:avLst>
+          </a:prstGeom>
+          <a:ln w="19050" cap="flat" cmpd="sng" algn="ctr">
+            <a:solidFill>
+              <a:schemeClr val="tx2"/>
+            </a:solidFill>
+            <a:prstDash val="sysDash"/>
+            <a:round/>
+            <a:headEnd type="none" w="med" len="med"/>
+            <a:tailEnd type="none" w="med" len="med"/>
+          </a:ln>
+          <a:effectLst/>
+        </p:spPr>
+        <p:style>
+          <a:lnRef idx="2">
+            <a:schemeClr val="accent1"/>
+          </a:lnRef>
+          <a:fillRef idx="0">
+            <a:schemeClr val="accent1"/>
+          </a:fillRef>
+          <a:effectRef idx="1">
+            <a:schemeClr val="accent1"/>
+          </a:effectRef>
+          <a:fontRef idx="minor">
+            <a:schemeClr val="tx1"/>
+          </a:fontRef>
+        </p:style>
+      </p:cxnSp>
+      <p:cxnSp>
+        <p:nvCxnSpPr>
+          <p:cNvPr id="11" name="Straight Connector 10"/>
+          <p:cNvCxnSpPr>
+            <a:endCxn id="8" idx="1"/>
+          </p:cNvCxnSpPr>
+          <p:nvPr/>
+        </p:nvCxnSpPr>
+        <p:spPr>
+          <a:xfrm>
+            <a:off x="4457357" y="1442594"/>
+            <a:ext cx="1230068" cy="0"/>
+          </a:xfrm>
+          <a:prstGeom prst="line">
+            <a:avLst/>
+          </a:prstGeom>
+          <a:ln w="19050" cap="flat" cmpd="sng" algn="ctr">
+            <a:solidFill>
+              <a:schemeClr val="tx2"/>
+            </a:solidFill>
+            <a:prstDash val="sysDash"/>
+            <a:round/>
+            <a:headEnd type="none" w="med" len="med"/>
+            <a:tailEnd type="none" w="med" len="med"/>
+          </a:ln>
+          <a:effectLst/>
+        </p:spPr>
+        <p:style>
+          <a:lnRef idx="2">
+            <a:schemeClr val="accent1"/>
+          </a:lnRef>
+          <a:fillRef idx="0">
+            <a:schemeClr val="accent1"/>
+          </a:fillRef>
+          <a:effectRef idx="1">
+            <a:schemeClr val="accent1"/>
+          </a:effectRef>
+          <a:fontRef idx="minor">
+            <a:schemeClr val="tx1"/>
+          </a:fontRef>
+        </p:style>
+      </p:cxnSp>
+      <p:cxnSp>
+        <p:nvCxnSpPr>
+          <p:cNvPr id="12" name="Straight Connector 54"/>
+          <p:cNvCxnSpPr>
+            <a:stCxn id="35" idx="0"/>
+            <a:endCxn id="38" idx="0"/>
+          </p:cNvCxnSpPr>
+          <p:nvPr/>
+        </p:nvCxnSpPr>
+        <p:spPr>
+          <a:xfrm rot="16200000" flipH="1" flipV="1">
+            <a:off x="3737437" y="1768367"/>
+            <a:ext cx="382814" cy="1718002"/>
+          </a:xfrm>
+          <a:prstGeom prst="curvedConnector3">
+            <a:avLst>
+              <a:gd name="adj1" fmla="val -59716"/>
+            </a:avLst>
+          </a:prstGeom>
+          <a:ln w="19050" cap="flat" cmpd="sng" algn="ctr">
+            <a:solidFill>
+              <a:schemeClr val="tx2"/>
+            </a:solidFill>
+            <a:prstDash val="sysDash"/>
+            <a:round/>
+            <a:headEnd type="none" w="med" len="med"/>
+            <a:tailEnd type="none" w="med" len="med"/>
+          </a:ln>
+          <a:effectLst/>
+        </p:spPr>
+        <p:style>
+          <a:lnRef idx="2">
+            <a:schemeClr val="accent1"/>
+          </a:lnRef>
+          <a:fillRef idx="0">
+            <a:schemeClr val="accent1"/>
+          </a:fillRef>
+          <a:effectRef idx="1">
+            <a:schemeClr val="accent1"/>
+          </a:effectRef>
+          <a:fontRef idx="minor">
+            <a:schemeClr val="tx1"/>
+          </a:fontRef>
+        </p:style>
+      </p:cxnSp>
+      <p:sp>
+        <p:nvSpPr>
+          <p:cNvPr id="13" name="TextBox 12"/>
+          <p:cNvSpPr txBox="1"/>
+          <p:nvPr/>
+        </p:nvSpPr>
+        <p:spPr>
+          <a:xfrm>
+            <a:off x="3408376" y="1897113"/>
+            <a:ext cx="1265128" cy="369332"/>
+          </a:xfrm>
+          <a:prstGeom prst="rect">
+            <a:avLst/>
+          </a:prstGeom>
+          <a:noFill/>
+          <a:effectLst/>
+        </p:spPr>
+        <p:txBody>
+          <a:bodyPr wrap="none" rtlCol="0">
+            <a:spAutoFit/>
+          </a:bodyPr>
+          <a:lstStyle/>
+          <a:p>
+            <a:r>
+              <a:rPr lang="en-US" i="1" dirty="0" smtClean="0">
+                <a:solidFill>
+                  <a:schemeClr val="tx2"/>
+                </a:solidFill>
+              </a:rPr>
+              <a:t>Interaction</a:t>
+            </a:r>
+            <a:endParaRPr lang="en-US" i="1" dirty="0">
+              <a:solidFill>
+                <a:schemeClr val="tx2"/>
+              </a:solidFill>
+            </a:endParaRPr>
+          </a:p>
+        </p:txBody>
+      </p:sp>
+      <p:sp>
+        <p:nvSpPr>
+          <p:cNvPr id="14" name="TextBox 13"/>
+          <p:cNvSpPr txBox="1"/>
+          <p:nvPr/>
+        </p:nvSpPr>
+        <p:spPr>
+          <a:xfrm>
+            <a:off x="4481194" y="1103028"/>
+            <a:ext cx="1265128" cy="369332"/>
+          </a:xfrm>
+          <a:prstGeom prst="rect">
+            <a:avLst/>
+          </a:prstGeom>
+          <a:noFill/>
+          <a:effectLst/>
+        </p:spPr>
+        <p:txBody>
+          <a:bodyPr wrap="none" rtlCol="0">
+            <a:spAutoFit/>
+          </a:bodyPr>
+          <a:lstStyle/>
+          <a:p>
+            <a:r>
+              <a:rPr lang="en-US" i="1" dirty="0" smtClean="0">
+                <a:solidFill>
+                  <a:schemeClr val="tx2"/>
+                </a:solidFill>
+              </a:rPr>
+              <a:t>Interaction</a:t>
+            </a:r>
+            <a:endParaRPr lang="en-US" i="1" dirty="0">
+              <a:solidFill>
+                <a:schemeClr val="tx2"/>
+              </a:solidFill>
+            </a:endParaRPr>
+          </a:p>
+        </p:txBody>
+      </p:sp>
+      <p:sp>
+        <p:nvSpPr>
+          <p:cNvPr id="15" name="TextBox 14"/>
+          <p:cNvSpPr txBox="1"/>
+          <p:nvPr/>
+        </p:nvSpPr>
+        <p:spPr>
+          <a:xfrm>
+            <a:off x="5269657" y="2050799"/>
+            <a:ext cx="1265128" cy="369332"/>
+          </a:xfrm>
+          <a:prstGeom prst="rect">
+            <a:avLst/>
+          </a:prstGeom>
+          <a:noFill/>
+          <a:effectLst/>
+        </p:spPr>
+        <p:txBody>
+          <a:bodyPr wrap="none" rtlCol="0">
+            <a:spAutoFit/>
+          </a:bodyPr>
+          <a:lstStyle/>
+          <a:p>
+            <a:r>
+              <a:rPr lang="en-US" i="1" dirty="0" smtClean="0">
+                <a:solidFill>
+                  <a:schemeClr val="tx2"/>
+                </a:solidFill>
+              </a:rPr>
+              <a:t>Interaction</a:t>
             </a:r>
             <a:endParaRPr lang="en-US" i="1" dirty="0">
               <a:solidFill>

--- a/specification/imgsrc/sbolv_general.pptx
+++ b/specification/imgsrc/sbolv_general.pptx
@@ -4,6 +4,9 @@
   <p:sldMasterIdLst>
     <p:sldMasterId id="2147483648" r:id="rId1"/>
   </p:sldMasterIdLst>
+  <p:notesMasterIdLst>
+    <p:notesMasterId r:id="rId4"/>
+  </p:notesMasterIdLst>
   <p:sldIdLst>
     <p:sldId id="257" r:id="rId2"/>
     <p:sldId id="258" r:id="rId3"/>
@@ -124,6 +127,356 @@
 </p:presentation>
 </file>
 
+<file path=ppt/notesMasters/notesMaster1.xml><?xml version="1.0" encoding="utf-8"?>
+<p:notesMaster xmlns:a="http://schemas.openxmlformats.org/drawingml/2006/main" xmlns:r="http://schemas.openxmlformats.org/officeDocument/2006/relationships" xmlns:p="http://schemas.openxmlformats.org/presentationml/2006/main">
+  <p:cSld>
+    <p:bg>
+      <p:bgRef idx="1001">
+        <a:schemeClr val="bg1"/>
+      </p:bgRef>
+    </p:bg>
+    <p:spTree>
+      <p:nvGrpSpPr>
+        <p:cNvPr id="1" name=""/>
+        <p:cNvGrpSpPr/>
+        <p:nvPr/>
+      </p:nvGrpSpPr>
+      <p:grpSpPr>
+        <a:xfrm>
+          <a:off x="0" y="0"/>
+          <a:ext cx="0" cy="0"/>
+          <a:chOff x="0" y="0"/>
+          <a:chExt cx="0" cy="0"/>
+        </a:xfrm>
+      </p:grpSpPr>
+      <p:sp>
+        <p:nvSpPr>
+          <p:cNvPr id="2" name="Header Placeholder 1"/>
+          <p:cNvSpPr>
+            <a:spLocks noGrp="1"/>
+          </p:cNvSpPr>
+          <p:nvPr>
+            <p:ph type="hdr" sz="quarter"/>
+          </p:nvPr>
+        </p:nvSpPr>
+        <p:spPr>
+          <a:xfrm>
+            <a:off x="0" y="0"/>
+            <a:ext cx="2971800" cy="458788"/>
+          </a:xfrm>
+          <a:prstGeom prst="rect">
+            <a:avLst/>
+          </a:prstGeom>
+        </p:spPr>
+        <p:txBody>
+          <a:bodyPr vert="horz" lIns="91440" tIns="45720" rIns="91440" bIns="45720" rtlCol="0"/>
+          <a:lstStyle>
+            <a:lvl1pPr algn="l">
+              <a:defRPr sz="1200"/>
+            </a:lvl1pPr>
+          </a:lstStyle>
+          <a:p>
+            <a:endParaRPr lang="en-US"/>
+          </a:p>
+        </p:txBody>
+      </p:sp>
+      <p:sp>
+        <p:nvSpPr>
+          <p:cNvPr id="3" name="Date Placeholder 2"/>
+          <p:cNvSpPr>
+            <a:spLocks noGrp="1"/>
+          </p:cNvSpPr>
+          <p:nvPr>
+            <p:ph type="dt" idx="1"/>
+          </p:nvPr>
+        </p:nvSpPr>
+        <p:spPr>
+          <a:xfrm>
+            <a:off x="3884613" y="0"/>
+            <a:ext cx="2971800" cy="458788"/>
+          </a:xfrm>
+          <a:prstGeom prst="rect">
+            <a:avLst/>
+          </a:prstGeom>
+        </p:spPr>
+        <p:txBody>
+          <a:bodyPr vert="horz" lIns="91440" tIns="45720" rIns="91440" bIns="45720" rtlCol="0"/>
+          <a:lstStyle>
+            <a:lvl1pPr algn="r">
+              <a:defRPr sz="1200"/>
+            </a:lvl1pPr>
+          </a:lstStyle>
+          <a:p>
+            <a:fld id="{F609F0E1-BC1C-764A-AC2B-4145881676D6}" type="datetimeFigureOut">
+              <a:rPr lang="en-US" smtClean="0"/>
+              <a:t>1/2/18</a:t>
+            </a:fld>
+            <a:endParaRPr lang="en-US"/>
+          </a:p>
+        </p:txBody>
+      </p:sp>
+      <p:sp>
+        <p:nvSpPr>
+          <p:cNvPr id="4" name="Slide Image Placeholder 3"/>
+          <p:cNvSpPr>
+            <a:spLocks noGrp="1" noRot="1" noChangeAspect="1"/>
+          </p:cNvSpPr>
+          <p:nvPr>
+            <p:ph type="sldImg" idx="2"/>
+          </p:nvPr>
+        </p:nvSpPr>
+        <p:spPr>
+          <a:xfrm>
+            <a:off x="1371600" y="1143000"/>
+            <a:ext cx="4114800" cy="3086100"/>
+          </a:xfrm>
+          <a:prstGeom prst="rect">
+            <a:avLst/>
+          </a:prstGeom>
+          <a:noFill/>
+          <a:ln w="12700">
+            <a:solidFill>
+              <a:prstClr val="black"/>
+            </a:solidFill>
+          </a:ln>
+        </p:spPr>
+        <p:txBody>
+          <a:bodyPr vert="horz" lIns="91440" tIns="45720" rIns="91440" bIns="45720" rtlCol="0" anchor="ctr"/>
+          <a:lstStyle/>
+          <a:p>
+            <a:endParaRPr lang="en-US"/>
+          </a:p>
+        </p:txBody>
+      </p:sp>
+      <p:sp>
+        <p:nvSpPr>
+          <p:cNvPr id="5" name="Notes Placeholder 4"/>
+          <p:cNvSpPr>
+            <a:spLocks noGrp="1"/>
+          </p:cNvSpPr>
+          <p:nvPr>
+            <p:ph type="body" sz="quarter" idx="3"/>
+          </p:nvPr>
+        </p:nvSpPr>
+        <p:spPr>
+          <a:xfrm>
+            <a:off x="685800" y="4400550"/>
+            <a:ext cx="5486400" cy="3600450"/>
+          </a:xfrm>
+          <a:prstGeom prst="rect">
+            <a:avLst/>
+          </a:prstGeom>
+        </p:spPr>
+        <p:txBody>
+          <a:bodyPr vert="horz" lIns="91440" tIns="45720" rIns="91440" bIns="45720" rtlCol="0"/>
+          <a:lstStyle/>
+          <a:p>
+            <a:pPr lvl="0"/>
+            <a:r>
+              <a:rPr lang="en-US" smtClean="0"/>
+              <a:t>Click to edit Master text styles</a:t>
+            </a:r>
+          </a:p>
+          <a:p>
+            <a:pPr lvl="1"/>
+            <a:r>
+              <a:rPr lang="en-US" smtClean="0"/>
+              <a:t>Second level</a:t>
+            </a:r>
+          </a:p>
+          <a:p>
+            <a:pPr lvl="2"/>
+            <a:r>
+              <a:rPr lang="en-US" smtClean="0"/>
+              <a:t>Third level</a:t>
+            </a:r>
+          </a:p>
+          <a:p>
+            <a:pPr lvl="3"/>
+            <a:r>
+              <a:rPr lang="en-US" smtClean="0"/>
+              <a:t>Fourth level</a:t>
+            </a:r>
+          </a:p>
+          <a:p>
+            <a:pPr lvl="4"/>
+            <a:r>
+              <a:rPr lang="en-US" smtClean="0"/>
+              <a:t>Fifth level</a:t>
+            </a:r>
+            <a:endParaRPr lang="en-US"/>
+          </a:p>
+        </p:txBody>
+      </p:sp>
+      <p:sp>
+        <p:nvSpPr>
+          <p:cNvPr id="6" name="Footer Placeholder 5"/>
+          <p:cNvSpPr>
+            <a:spLocks noGrp="1"/>
+          </p:cNvSpPr>
+          <p:nvPr>
+            <p:ph type="ftr" sz="quarter" idx="4"/>
+          </p:nvPr>
+        </p:nvSpPr>
+        <p:spPr>
+          <a:xfrm>
+            <a:off x="0" y="8685213"/>
+            <a:ext cx="2971800" cy="458787"/>
+          </a:xfrm>
+          <a:prstGeom prst="rect">
+            <a:avLst/>
+          </a:prstGeom>
+        </p:spPr>
+        <p:txBody>
+          <a:bodyPr vert="horz" lIns="91440" tIns="45720" rIns="91440" bIns="45720" rtlCol="0" anchor="b"/>
+          <a:lstStyle>
+            <a:lvl1pPr algn="l">
+              <a:defRPr sz="1200"/>
+            </a:lvl1pPr>
+          </a:lstStyle>
+          <a:p>
+            <a:endParaRPr lang="en-US"/>
+          </a:p>
+        </p:txBody>
+      </p:sp>
+      <p:sp>
+        <p:nvSpPr>
+          <p:cNvPr id="7" name="Slide Number Placeholder 6"/>
+          <p:cNvSpPr>
+            <a:spLocks noGrp="1"/>
+          </p:cNvSpPr>
+          <p:nvPr>
+            <p:ph type="sldNum" sz="quarter" idx="5"/>
+          </p:nvPr>
+        </p:nvSpPr>
+        <p:spPr>
+          <a:xfrm>
+            <a:off x="3884613" y="8685213"/>
+            <a:ext cx="2971800" cy="458787"/>
+          </a:xfrm>
+          <a:prstGeom prst="rect">
+            <a:avLst/>
+          </a:prstGeom>
+        </p:spPr>
+        <p:txBody>
+          <a:bodyPr vert="horz" lIns="91440" tIns="45720" rIns="91440" bIns="45720" rtlCol="0" anchor="b"/>
+          <a:lstStyle>
+            <a:lvl1pPr algn="r">
+              <a:defRPr sz="1200"/>
+            </a:lvl1pPr>
+          </a:lstStyle>
+          <a:p>
+            <a:fld id="{F3BDC409-34F4-A243-B786-19498A6D7F05}" type="slidenum">
+              <a:rPr lang="en-US" smtClean="0"/>
+              <a:t>‹#›</a:t>
+            </a:fld>
+            <a:endParaRPr lang="en-US"/>
+          </a:p>
+        </p:txBody>
+      </p:sp>
+    </p:spTree>
+    <p:extLst>
+      <p:ext uri="{BB962C8B-B14F-4D97-AF65-F5344CB8AC3E}">
+        <p14:creationId xmlns:p14="http://schemas.microsoft.com/office/powerpoint/2010/main" val="77762896"/>
+      </p:ext>
+    </p:extLst>
+  </p:cSld>
+  <p:clrMap bg1="lt1" tx1="dk1" bg2="lt2" tx2="dk2" accent1="accent1" accent2="accent2" accent3="accent3" accent4="accent4" accent5="accent5" accent6="accent6" hlink="hlink" folHlink="folHlink"/>
+  <p:notesStyle>
+    <a:lvl1pPr marL="0" algn="l" defTabSz="914400" rtl="0" eaLnBrk="1" latinLnBrk="0" hangingPunct="1">
+      <a:defRPr sz="1200" kern="1200">
+        <a:solidFill>
+          <a:schemeClr val="tx1"/>
+        </a:solidFill>
+        <a:latin typeface="+mn-lt"/>
+        <a:ea typeface="+mn-ea"/>
+        <a:cs typeface="+mn-cs"/>
+      </a:defRPr>
+    </a:lvl1pPr>
+    <a:lvl2pPr marL="457200" algn="l" defTabSz="914400" rtl="0" eaLnBrk="1" latinLnBrk="0" hangingPunct="1">
+      <a:defRPr sz="1200" kern="1200">
+        <a:solidFill>
+          <a:schemeClr val="tx1"/>
+        </a:solidFill>
+        <a:latin typeface="+mn-lt"/>
+        <a:ea typeface="+mn-ea"/>
+        <a:cs typeface="+mn-cs"/>
+      </a:defRPr>
+    </a:lvl2pPr>
+    <a:lvl3pPr marL="914400" algn="l" defTabSz="914400" rtl="0" eaLnBrk="1" latinLnBrk="0" hangingPunct="1">
+      <a:defRPr sz="1200" kern="1200">
+        <a:solidFill>
+          <a:schemeClr val="tx1"/>
+        </a:solidFill>
+        <a:latin typeface="+mn-lt"/>
+        <a:ea typeface="+mn-ea"/>
+        <a:cs typeface="+mn-cs"/>
+      </a:defRPr>
+    </a:lvl3pPr>
+    <a:lvl4pPr marL="1371600" algn="l" defTabSz="914400" rtl="0" eaLnBrk="1" latinLnBrk="0" hangingPunct="1">
+      <a:defRPr sz="1200" kern="1200">
+        <a:solidFill>
+          <a:schemeClr val="tx1"/>
+        </a:solidFill>
+        <a:latin typeface="+mn-lt"/>
+        <a:ea typeface="+mn-ea"/>
+        <a:cs typeface="+mn-cs"/>
+      </a:defRPr>
+    </a:lvl4pPr>
+    <a:lvl5pPr marL="1828800" algn="l" defTabSz="914400" rtl="0" eaLnBrk="1" latinLnBrk="0" hangingPunct="1">
+      <a:defRPr sz="1200" kern="1200">
+        <a:solidFill>
+          <a:schemeClr val="tx1"/>
+        </a:solidFill>
+        <a:latin typeface="+mn-lt"/>
+        <a:ea typeface="+mn-ea"/>
+        <a:cs typeface="+mn-cs"/>
+      </a:defRPr>
+    </a:lvl5pPr>
+    <a:lvl6pPr marL="2286000" algn="l" defTabSz="914400" rtl="0" eaLnBrk="1" latinLnBrk="0" hangingPunct="1">
+      <a:defRPr sz="1200" kern="1200">
+        <a:solidFill>
+          <a:schemeClr val="tx1"/>
+        </a:solidFill>
+        <a:latin typeface="+mn-lt"/>
+        <a:ea typeface="+mn-ea"/>
+        <a:cs typeface="+mn-cs"/>
+      </a:defRPr>
+    </a:lvl6pPr>
+    <a:lvl7pPr marL="2743200" algn="l" defTabSz="914400" rtl="0" eaLnBrk="1" latinLnBrk="0" hangingPunct="1">
+      <a:defRPr sz="1200" kern="1200">
+        <a:solidFill>
+          <a:schemeClr val="tx1"/>
+        </a:solidFill>
+        <a:latin typeface="+mn-lt"/>
+        <a:ea typeface="+mn-ea"/>
+        <a:cs typeface="+mn-cs"/>
+      </a:defRPr>
+    </a:lvl7pPr>
+    <a:lvl8pPr marL="3200400" algn="l" defTabSz="914400" rtl="0" eaLnBrk="1" latinLnBrk="0" hangingPunct="1">
+      <a:defRPr sz="1200" kern="1200">
+        <a:solidFill>
+          <a:schemeClr val="tx1"/>
+        </a:solidFill>
+        <a:latin typeface="+mn-lt"/>
+        <a:ea typeface="+mn-ea"/>
+        <a:cs typeface="+mn-cs"/>
+      </a:defRPr>
+    </a:lvl8pPr>
+    <a:lvl9pPr marL="3657600" algn="l" defTabSz="914400" rtl="0" eaLnBrk="1" latinLnBrk="0" hangingPunct="1">
+      <a:defRPr sz="1200" kern="1200">
+        <a:solidFill>
+          <a:schemeClr val="tx1"/>
+        </a:solidFill>
+        <a:latin typeface="+mn-lt"/>
+        <a:ea typeface="+mn-ea"/>
+        <a:cs typeface="+mn-cs"/>
+      </a:defRPr>
+    </a:lvl9pPr>
+  </p:notesStyle>
+</p:notesMaster>
+</file>
+
 <file path=ppt/slideLayouts/slideLayout1.xml><?xml version="1.0" encoding="utf-8"?>
 <p:sldLayout xmlns:a="http://schemas.openxmlformats.org/drawingml/2006/main" xmlns:r="http://schemas.openxmlformats.org/officeDocument/2006/relationships" xmlns:p="http://schemas.openxmlformats.org/presentationml/2006/main" type="title" preserve="1">
   <p:cSld name="Title Slide">
@@ -305,7 +658,7 @@
           <a:p>
             <a:fld id="{B519623D-D8C4-D246-A1F7-180DFBDF806B}" type="datetimeFigureOut">
               <a:rPr lang="en-US" smtClean="0"/>
-              <a:t>11/22/17</a:t>
+              <a:t>1/2/18</a:t>
             </a:fld>
             <a:endParaRPr lang="en-US"/>
           </a:p>
@@ -475,7 +828,7 @@
           <a:p>
             <a:fld id="{B519623D-D8C4-D246-A1F7-180DFBDF806B}" type="datetimeFigureOut">
               <a:rPr lang="en-US" smtClean="0"/>
-              <a:t>11/22/17</a:t>
+              <a:t>1/2/18</a:t>
             </a:fld>
             <a:endParaRPr lang="en-US"/>
           </a:p>
@@ -655,7 +1008,7 @@
           <a:p>
             <a:fld id="{B519623D-D8C4-D246-A1F7-180DFBDF806B}" type="datetimeFigureOut">
               <a:rPr lang="en-US" smtClean="0"/>
-              <a:t>11/22/17</a:t>
+              <a:t>1/2/18</a:t>
             </a:fld>
             <a:endParaRPr lang="en-US"/>
           </a:p>
@@ -825,7 +1178,7 @@
           <a:p>
             <a:fld id="{B519623D-D8C4-D246-A1F7-180DFBDF806B}" type="datetimeFigureOut">
               <a:rPr lang="en-US" smtClean="0"/>
-              <a:t>11/22/17</a:t>
+              <a:t>1/2/18</a:t>
             </a:fld>
             <a:endParaRPr lang="en-US"/>
           </a:p>
@@ -1071,7 +1424,7 @@
           <a:p>
             <a:fld id="{B519623D-D8C4-D246-A1F7-180DFBDF806B}" type="datetimeFigureOut">
               <a:rPr lang="en-US" smtClean="0"/>
-              <a:t>11/22/17</a:t>
+              <a:t>1/2/18</a:t>
             </a:fld>
             <a:endParaRPr lang="en-US"/>
           </a:p>
@@ -1359,7 +1712,7 @@
           <a:p>
             <a:fld id="{B519623D-D8C4-D246-A1F7-180DFBDF806B}" type="datetimeFigureOut">
               <a:rPr lang="en-US" smtClean="0"/>
-              <a:t>11/22/17</a:t>
+              <a:t>1/2/18</a:t>
             </a:fld>
             <a:endParaRPr lang="en-US"/>
           </a:p>
@@ -1781,7 +2134,7 @@
           <a:p>
             <a:fld id="{B519623D-D8C4-D246-A1F7-180DFBDF806B}" type="datetimeFigureOut">
               <a:rPr lang="en-US" smtClean="0"/>
-              <a:t>11/22/17</a:t>
+              <a:t>1/2/18</a:t>
             </a:fld>
             <a:endParaRPr lang="en-US"/>
           </a:p>
@@ -1899,7 +2252,7 @@
           <a:p>
             <a:fld id="{B519623D-D8C4-D246-A1F7-180DFBDF806B}" type="datetimeFigureOut">
               <a:rPr lang="en-US" smtClean="0"/>
-              <a:t>11/22/17</a:t>
+              <a:t>1/2/18</a:t>
             </a:fld>
             <a:endParaRPr lang="en-US"/>
           </a:p>
@@ -1994,7 +2347,7 @@
           <a:p>
             <a:fld id="{B519623D-D8C4-D246-A1F7-180DFBDF806B}" type="datetimeFigureOut">
               <a:rPr lang="en-US" smtClean="0"/>
-              <a:t>11/22/17</a:t>
+              <a:t>1/2/18</a:t>
             </a:fld>
             <a:endParaRPr lang="en-US"/>
           </a:p>
@@ -2271,7 +2624,7 @@
           <a:p>
             <a:fld id="{B519623D-D8C4-D246-A1F7-180DFBDF806B}" type="datetimeFigureOut">
               <a:rPr lang="en-US" smtClean="0"/>
-              <a:t>11/22/17</a:t>
+              <a:t>1/2/18</a:t>
             </a:fld>
             <a:endParaRPr lang="en-US"/>
           </a:p>
@@ -2524,7 +2877,7 @@
           <a:p>
             <a:fld id="{B519623D-D8C4-D246-A1F7-180DFBDF806B}" type="datetimeFigureOut">
               <a:rPr lang="en-US" smtClean="0"/>
-              <a:t>11/22/17</a:t>
+              <a:t>1/2/18</a:t>
             </a:fld>
             <a:endParaRPr lang="en-US"/>
           </a:p>
@@ -2737,7 +3090,7 @@
           <a:p>
             <a:fld id="{B519623D-D8C4-D246-A1F7-180DFBDF806B}" type="datetimeFigureOut">
               <a:rPr lang="en-US" smtClean="0"/>
-              <a:t>11/22/17</a:t>
+              <a:t>1/2/18</a:t>
             </a:fld>
             <a:endParaRPr lang="en-US"/>
           </a:p>
@@ -4199,8 +4552,8 @@
         </p:nvSpPr>
         <p:spPr>
           <a:xfrm>
-            <a:off x="1261490" y="3663442"/>
-            <a:ext cx="1236236" cy="369332"/>
+            <a:off x="1678347" y="3663442"/>
+            <a:ext cx="782587" cy="369332"/>
           </a:xfrm>
           <a:prstGeom prst="rect">
             <a:avLst/>
@@ -4215,7 +4568,7 @@
           <a:lstStyle/>
           <a:p>
             <a:r>
-              <a:rPr lang="en-US" b="1" dirty="0" smtClean="0">
+              <a:rPr lang="en-US" b="1" smtClean="0">
                 <a:solidFill>
                   <a:schemeClr val="tx1">
                     <a:lumMod val="65000"/>
@@ -4223,7 +4576,7 @@
                   </a:schemeClr>
                 </a:solidFill>
               </a:rPr>
-              <a:t>Display IDs</a:t>
+              <a:t>Labels</a:t>
             </a:r>
             <a:endParaRPr lang="en-US" b="1" dirty="0">
               <a:solidFill>
@@ -5837,4 +6190,265 @@
   </a:objectDefaults>
   <a:extraClrSchemeLst/>
 </a:theme>
+</file>
+
+<file path=ppt/theme/theme2.xml><?xml version="1.0" encoding="utf-8"?>
+<a:theme xmlns:a="http://schemas.openxmlformats.org/drawingml/2006/main" name="Office Theme">
+  <a:themeElements>
+    <a:clrScheme name="Office">
+      <a:dk1>
+        <a:sysClr val="windowText" lastClr="000000"/>
+      </a:dk1>
+      <a:lt1>
+        <a:sysClr val="window" lastClr="FFFFFF"/>
+      </a:lt1>
+      <a:dk2>
+        <a:srgbClr val="44546A"/>
+      </a:dk2>
+      <a:lt2>
+        <a:srgbClr val="E7E6E6"/>
+      </a:lt2>
+      <a:accent1>
+        <a:srgbClr val="4472C4"/>
+      </a:accent1>
+      <a:accent2>
+        <a:srgbClr val="ED7D31"/>
+      </a:accent2>
+      <a:accent3>
+        <a:srgbClr val="A5A5A5"/>
+      </a:accent3>
+      <a:accent4>
+        <a:srgbClr val="FFC000"/>
+      </a:accent4>
+      <a:accent5>
+        <a:srgbClr val="5B9BD5"/>
+      </a:accent5>
+      <a:accent6>
+        <a:srgbClr val="70AD47"/>
+      </a:accent6>
+      <a:hlink>
+        <a:srgbClr val="0563C1"/>
+      </a:hlink>
+      <a:folHlink>
+        <a:srgbClr val="954F72"/>
+      </a:folHlink>
+    </a:clrScheme>
+    <a:fontScheme name="Office">
+      <a:majorFont>
+        <a:latin typeface="Calibri Light" panose="020F0302020204030204"/>
+        <a:ea typeface=""/>
+        <a:cs typeface=""/>
+        <a:font script="Jpan" typeface="Yu Gothic Light"/>
+        <a:font script="Hang" typeface="맑은 고딕"/>
+        <a:font script="Hans" typeface="DengXian Light"/>
+        <a:font script="Hant" typeface="新細明體"/>
+        <a:font script="Arab" typeface="Times New Roman"/>
+        <a:font script="Hebr" typeface="Times New Roman"/>
+        <a:font script="Thai" typeface="Angsana New"/>
+        <a:font script="Ethi" typeface="Nyala"/>
+        <a:font script="Beng" typeface="Vrinda"/>
+        <a:font script="Gujr" typeface="Shruti"/>
+        <a:font script="Khmr" typeface="MoolBoran"/>
+        <a:font script="Knda" typeface="Tunga"/>
+        <a:font script="Guru" typeface="Raavi"/>
+        <a:font script="Cans" typeface="Euphemia"/>
+        <a:font script="Cher" typeface="Plantagenet Cherokee"/>
+        <a:font script="Yiii" typeface="Microsoft Yi Baiti"/>
+        <a:font script="Tibt" typeface="Microsoft Himalaya"/>
+        <a:font script="Thaa" typeface="MV Boli"/>
+        <a:font script="Deva" typeface="Mangal"/>
+        <a:font script="Telu" typeface="Gautami"/>
+        <a:font script="Taml" typeface="Latha"/>
+        <a:font script="Syrc" typeface="Estrangelo Edessa"/>
+        <a:font script="Orya" typeface="Kalinga"/>
+        <a:font script="Mlym" typeface="Kartika"/>
+        <a:font script="Laoo" typeface="DokChampa"/>
+        <a:font script="Sinh" typeface="Iskoola Pota"/>
+        <a:font script="Mong" typeface="Mongolian Baiti"/>
+        <a:font script="Viet" typeface="Times New Roman"/>
+        <a:font script="Uigh" typeface="Microsoft Uighur"/>
+        <a:font script="Geor" typeface="Sylfaen"/>
+      </a:majorFont>
+      <a:minorFont>
+        <a:latin typeface="Calibri" panose="020F0502020204030204"/>
+        <a:ea typeface=""/>
+        <a:cs typeface=""/>
+        <a:font script="Jpan" typeface="Yu Gothic"/>
+        <a:font script="Hang" typeface="맑은 고딕"/>
+        <a:font script="Hans" typeface="DengXian"/>
+        <a:font script="Hant" typeface="新細明體"/>
+        <a:font script="Arab" typeface="Arial"/>
+        <a:font script="Hebr" typeface="Arial"/>
+        <a:font script="Thai" typeface="Cordia New"/>
+        <a:font script="Ethi" typeface="Nyala"/>
+        <a:font script="Beng" typeface="Vrinda"/>
+        <a:font script="Gujr" typeface="Shruti"/>
+        <a:font script="Khmr" typeface="DaunPenh"/>
+        <a:font script="Knda" typeface="Tunga"/>
+        <a:font script="Guru" typeface="Raavi"/>
+        <a:font script="Cans" typeface="Euphemia"/>
+        <a:font script="Cher" typeface="Plantagenet Cherokee"/>
+        <a:font script="Yiii" typeface="Microsoft Yi Baiti"/>
+        <a:font script="Tibt" typeface="Microsoft Himalaya"/>
+        <a:font script="Thaa" typeface="MV Boli"/>
+        <a:font script="Deva" typeface="Mangal"/>
+        <a:font script="Telu" typeface="Gautami"/>
+        <a:font script="Taml" typeface="Latha"/>
+        <a:font script="Syrc" typeface="Estrangelo Edessa"/>
+        <a:font script="Orya" typeface="Kalinga"/>
+        <a:font script="Mlym" typeface="Kartika"/>
+        <a:font script="Laoo" typeface="DokChampa"/>
+        <a:font script="Sinh" typeface="Iskoola Pota"/>
+        <a:font script="Mong" typeface="Mongolian Baiti"/>
+        <a:font script="Viet" typeface="Arial"/>
+        <a:font script="Uigh" typeface="Microsoft Uighur"/>
+        <a:font script="Geor" typeface="Sylfaen"/>
+      </a:minorFont>
+    </a:fontScheme>
+    <a:fmtScheme name="Office">
+      <a:fillStyleLst>
+        <a:solidFill>
+          <a:schemeClr val="phClr"/>
+        </a:solidFill>
+        <a:gradFill rotWithShape="1">
+          <a:gsLst>
+            <a:gs pos="0">
+              <a:schemeClr val="phClr">
+                <a:lumMod val="110000"/>
+                <a:satMod val="105000"/>
+                <a:tint val="67000"/>
+              </a:schemeClr>
+            </a:gs>
+            <a:gs pos="50000">
+              <a:schemeClr val="phClr">
+                <a:lumMod val="105000"/>
+                <a:satMod val="103000"/>
+                <a:tint val="73000"/>
+              </a:schemeClr>
+            </a:gs>
+            <a:gs pos="100000">
+              <a:schemeClr val="phClr">
+                <a:lumMod val="105000"/>
+                <a:satMod val="109000"/>
+                <a:tint val="81000"/>
+              </a:schemeClr>
+            </a:gs>
+          </a:gsLst>
+          <a:lin ang="5400000" scaled="0"/>
+        </a:gradFill>
+        <a:gradFill rotWithShape="1">
+          <a:gsLst>
+            <a:gs pos="0">
+              <a:schemeClr val="phClr">
+                <a:satMod val="103000"/>
+                <a:lumMod val="102000"/>
+                <a:tint val="94000"/>
+              </a:schemeClr>
+            </a:gs>
+            <a:gs pos="50000">
+              <a:schemeClr val="phClr">
+                <a:satMod val="110000"/>
+                <a:lumMod val="100000"/>
+                <a:shade val="100000"/>
+              </a:schemeClr>
+            </a:gs>
+            <a:gs pos="100000">
+              <a:schemeClr val="phClr">
+                <a:lumMod val="99000"/>
+                <a:satMod val="120000"/>
+                <a:shade val="78000"/>
+              </a:schemeClr>
+            </a:gs>
+          </a:gsLst>
+          <a:lin ang="5400000" scaled="0"/>
+        </a:gradFill>
+      </a:fillStyleLst>
+      <a:lnStyleLst>
+        <a:ln w="6350" cap="flat" cmpd="sng" algn="ctr">
+          <a:solidFill>
+            <a:schemeClr val="phClr"/>
+          </a:solidFill>
+          <a:prstDash val="solid"/>
+          <a:miter lim="800000"/>
+        </a:ln>
+        <a:ln w="12700" cap="flat" cmpd="sng" algn="ctr">
+          <a:solidFill>
+            <a:schemeClr val="phClr"/>
+          </a:solidFill>
+          <a:prstDash val="solid"/>
+          <a:miter lim="800000"/>
+        </a:ln>
+        <a:ln w="19050" cap="flat" cmpd="sng" algn="ctr">
+          <a:solidFill>
+            <a:schemeClr val="phClr"/>
+          </a:solidFill>
+          <a:prstDash val="solid"/>
+          <a:miter lim="800000"/>
+        </a:ln>
+      </a:lnStyleLst>
+      <a:effectStyleLst>
+        <a:effectStyle>
+          <a:effectLst/>
+        </a:effectStyle>
+        <a:effectStyle>
+          <a:effectLst/>
+        </a:effectStyle>
+        <a:effectStyle>
+          <a:effectLst>
+            <a:outerShdw blurRad="57150" dist="19050" dir="5400000" algn="ctr" rotWithShape="0">
+              <a:srgbClr val="000000">
+                <a:alpha val="63000"/>
+              </a:srgbClr>
+            </a:outerShdw>
+          </a:effectLst>
+        </a:effectStyle>
+      </a:effectStyleLst>
+      <a:bgFillStyleLst>
+        <a:solidFill>
+          <a:schemeClr val="phClr"/>
+        </a:solidFill>
+        <a:solidFill>
+          <a:schemeClr val="phClr">
+            <a:tint val="95000"/>
+            <a:satMod val="170000"/>
+          </a:schemeClr>
+        </a:solidFill>
+        <a:gradFill rotWithShape="1">
+          <a:gsLst>
+            <a:gs pos="0">
+              <a:schemeClr val="phClr">
+                <a:tint val="93000"/>
+                <a:satMod val="150000"/>
+                <a:shade val="98000"/>
+                <a:lumMod val="102000"/>
+              </a:schemeClr>
+            </a:gs>
+            <a:gs pos="50000">
+              <a:schemeClr val="phClr">
+                <a:tint val="98000"/>
+                <a:satMod val="130000"/>
+                <a:shade val="90000"/>
+                <a:lumMod val="103000"/>
+              </a:schemeClr>
+            </a:gs>
+            <a:gs pos="100000">
+              <a:schemeClr val="phClr">
+                <a:shade val="63000"/>
+                <a:satMod val="120000"/>
+              </a:schemeClr>
+            </a:gs>
+          </a:gsLst>
+          <a:lin ang="5400000" scaled="0"/>
+        </a:gradFill>
+      </a:bgFillStyleLst>
+    </a:fmtScheme>
+  </a:themeElements>
+  <a:objectDefaults/>
+  <a:extraClrSchemeLst/>
+  <a:extLst>
+    <a:ext uri="{05A4C25C-085E-4340-85A3-A5531E510DB2}">
+      <thm15:themeFamily xmlns:thm15="http://schemas.microsoft.com/office/thememl/2012/main" name="Office Theme" id="{62F939B6-93AF-4DB8-9C6B-D6C7DFDC589F}" vid="{4A3C46E8-61CC-4603-A589-7422A47A8E4A}"/>
+    </a:ext>
+  </a:extLst>
+</a:theme>
 </file>
--- a/specification/imgsrc/sbolv_general.pptx
+++ b/specification/imgsrc/sbolv_general.pptx
@@ -209,7 +209,7 @@
           <a:p>
             <a:fld id="{F609F0E1-BC1C-764A-AC2B-4145881676D6}" type="datetimeFigureOut">
               <a:rPr lang="en-US" smtClean="0"/>
-              <a:t>1/2/18</a:t>
+              <a:t>3/25/21</a:t>
             </a:fld>
             <a:endParaRPr lang="en-US"/>
           </a:p>
@@ -273,38 +273,37 @@
           <a:p>
             <a:pPr lvl="0"/>
             <a:r>
-              <a:rPr lang="en-US" smtClean="0"/>
+              <a:rPr lang="en-US"/>
               <a:t>Click to edit Master text styles</a:t>
             </a:r>
           </a:p>
           <a:p>
             <a:pPr lvl="1"/>
             <a:r>
-              <a:rPr lang="en-US" smtClean="0"/>
+              <a:rPr lang="en-US"/>
               <a:t>Second level</a:t>
             </a:r>
           </a:p>
           <a:p>
             <a:pPr lvl="2"/>
             <a:r>
-              <a:rPr lang="en-US" smtClean="0"/>
+              <a:rPr lang="en-US"/>
               <a:t>Third level</a:t>
             </a:r>
           </a:p>
           <a:p>
             <a:pPr lvl="3"/>
             <a:r>
-              <a:rPr lang="en-US" smtClean="0"/>
+              <a:rPr lang="en-US"/>
               <a:t>Fourth level</a:t>
             </a:r>
           </a:p>
           <a:p>
             <a:pPr lvl="4"/>
             <a:r>
-              <a:rPr lang="en-US" smtClean="0"/>
+              <a:rPr lang="en-US"/>
               <a:t>Fifth level</a:t>
             </a:r>
-            <a:endParaRPr lang="en-US"/>
           </a:p>
         </p:txBody>
       </p:sp>
@@ -515,10 +514,9 @@
           <a:lstStyle/>
           <a:p>
             <a:r>
-              <a:rPr lang="en-US" smtClean="0"/>
+              <a:rPr lang="en-US"/>
               <a:t>Click to edit Master title style</a:t>
             </a:r>
-            <a:endParaRPr lang="en-US"/>
           </a:p>
         </p:txBody>
       </p:sp>
@@ -634,10 +632,9 @@
           </a:lstStyle>
           <a:p>
             <a:r>
-              <a:rPr lang="en-US" smtClean="0"/>
+              <a:rPr lang="en-US"/>
               <a:t>Click to edit Master subtitle style</a:t>
             </a:r>
-            <a:endParaRPr lang="en-US"/>
           </a:p>
         </p:txBody>
       </p:sp>
@@ -658,7 +655,7 @@
           <a:p>
             <a:fld id="{B519623D-D8C4-D246-A1F7-180DFBDF806B}" type="datetimeFigureOut">
               <a:rPr lang="en-US" smtClean="0"/>
-              <a:t>1/2/18</a:t>
+              <a:t>3/25/21</a:t>
             </a:fld>
             <a:endParaRPr lang="en-US"/>
           </a:p>
@@ -752,10 +749,9 @@
           <a:lstStyle/>
           <a:p>
             <a:r>
-              <a:rPr lang="en-US" smtClean="0"/>
+              <a:rPr lang="en-US"/>
               <a:t>Click to edit Master title style</a:t>
             </a:r>
-            <a:endParaRPr lang="en-US"/>
           </a:p>
         </p:txBody>
       </p:sp>
@@ -776,38 +772,37 @@
           <a:p>
             <a:pPr lvl="0"/>
             <a:r>
-              <a:rPr lang="en-US" smtClean="0"/>
+              <a:rPr lang="en-US"/>
               <a:t>Click to edit Master text styles</a:t>
             </a:r>
           </a:p>
           <a:p>
             <a:pPr lvl="1"/>
             <a:r>
-              <a:rPr lang="en-US" smtClean="0"/>
+              <a:rPr lang="en-US"/>
               <a:t>Second level</a:t>
             </a:r>
           </a:p>
           <a:p>
             <a:pPr lvl="2"/>
             <a:r>
-              <a:rPr lang="en-US" smtClean="0"/>
+              <a:rPr lang="en-US"/>
               <a:t>Third level</a:t>
             </a:r>
           </a:p>
           <a:p>
             <a:pPr lvl="3"/>
             <a:r>
-              <a:rPr lang="en-US" smtClean="0"/>
+              <a:rPr lang="en-US"/>
               <a:t>Fourth level</a:t>
             </a:r>
           </a:p>
           <a:p>
             <a:pPr lvl="4"/>
             <a:r>
-              <a:rPr lang="en-US" smtClean="0"/>
+              <a:rPr lang="en-US"/>
               <a:t>Fifth level</a:t>
             </a:r>
-            <a:endParaRPr lang="en-US"/>
           </a:p>
         </p:txBody>
       </p:sp>
@@ -828,7 +823,7 @@
           <a:p>
             <a:fld id="{B519623D-D8C4-D246-A1F7-180DFBDF806B}" type="datetimeFigureOut">
               <a:rPr lang="en-US" smtClean="0"/>
-              <a:t>1/2/18</a:t>
+              <a:t>3/25/21</a:t>
             </a:fld>
             <a:endParaRPr lang="en-US"/>
           </a:p>
@@ -927,10 +922,9 @@
           <a:lstStyle/>
           <a:p>
             <a:r>
-              <a:rPr lang="en-US" smtClean="0"/>
+              <a:rPr lang="en-US"/>
               <a:t>Click to edit Master title style</a:t>
             </a:r>
-            <a:endParaRPr lang="en-US"/>
           </a:p>
         </p:txBody>
       </p:sp>
@@ -956,38 +950,37 @@
           <a:p>
             <a:pPr lvl="0"/>
             <a:r>
-              <a:rPr lang="en-US" smtClean="0"/>
+              <a:rPr lang="en-US"/>
               <a:t>Click to edit Master text styles</a:t>
             </a:r>
           </a:p>
           <a:p>
             <a:pPr lvl="1"/>
             <a:r>
-              <a:rPr lang="en-US" smtClean="0"/>
+              <a:rPr lang="en-US"/>
               <a:t>Second level</a:t>
             </a:r>
           </a:p>
           <a:p>
             <a:pPr lvl="2"/>
             <a:r>
-              <a:rPr lang="en-US" smtClean="0"/>
+              <a:rPr lang="en-US"/>
               <a:t>Third level</a:t>
             </a:r>
           </a:p>
           <a:p>
             <a:pPr lvl="3"/>
             <a:r>
-              <a:rPr lang="en-US" smtClean="0"/>
+              <a:rPr lang="en-US"/>
               <a:t>Fourth level</a:t>
             </a:r>
           </a:p>
           <a:p>
             <a:pPr lvl="4"/>
             <a:r>
-              <a:rPr lang="en-US" smtClean="0"/>
+              <a:rPr lang="en-US"/>
               <a:t>Fifth level</a:t>
             </a:r>
-            <a:endParaRPr lang="en-US"/>
           </a:p>
         </p:txBody>
       </p:sp>
@@ -1008,7 +1001,7 @@
           <a:p>
             <a:fld id="{B519623D-D8C4-D246-A1F7-180DFBDF806B}" type="datetimeFigureOut">
               <a:rPr lang="en-US" smtClean="0"/>
-              <a:t>1/2/18</a:t>
+              <a:t>3/25/21</a:t>
             </a:fld>
             <a:endParaRPr lang="en-US"/>
           </a:p>
@@ -1102,10 +1095,9 @@
           <a:lstStyle/>
           <a:p>
             <a:r>
-              <a:rPr lang="en-US" smtClean="0"/>
+              <a:rPr lang="en-US"/>
               <a:t>Click to edit Master title style</a:t>
             </a:r>
-            <a:endParaRPr lang="en-US"/>
           </a:p>
         </p:txBody>
       </p:sp>
@@ -1126,38 +1118,37 @@
           <a:p>
             <a:pPr lvl="0"/>
             <a:r>
-              <a:rPr lang="en-US" smtClean="0"/>
+              <a:rPr lang="en-US"/>
               <a:t>Click to edit Master text styles</a:t>
             </a:r>
           </a:p>
           <a:p>
             <a:pPr lvl="1"/>
             <a:r>
-              <a:rPr lang="en-US" smtClean="0"/>
+              <a:rPr lang="en-US"/>
               <a:t>Second level</a:t>
             </a:r>
           </a:p>
           <a:p>
             <a:pPr lvl="2"/>
             <a:r>
-              <a:rPr lang="en-US" smtClean="0"/>
+              <a:rPr lang="en-US"/>
               <a:t>Third level</a:t>
             </a:r>
           </a:p>
           <a:p>
             <a:pPr lvl="3"/>
             <a:r>
-              <a:rPr lang="en-US" smtClean="0"/>
+              <a:rPr lang="en-US"/>
               <a:t>Fourth level</a:t>
             </a:r>
           </a:p>
           <a:p>
             <a:pPr lvl="4"/>
             <a:r>
-              <a:rPr lang="en-US" smtClean="0"/>
+              <a:rPr lang="en-US"/>
               <a:t>Fifth level</a:t>
             </a:r>
-            <a:endParaRPr lang="en-US"/>
           </a:p>
         </p:txBody>
       </p:sp>
@@ -1178,7 +1169,7 @@
           <a:p>
             <a:fld id="{B519623D-D8C4-D246-A1F7-180DFBDF806B}" type="datetimeFigureOut">
               <a:rPr lang="en-US" smtClean="0"/>
-              <a:t>1/2/18</a:t>
+              <a:t>3/25/21</a:t>
             </a:fld>
             <a:endParaRPr lang="en-US"/>
           </a:p>
@@ -1281,10 +1272,9 @@
           </a:lstStyle>
           <a:p>
             <a:r>
-              <a:rPr lang="en-US" smtClean="0"/>
+              <a:rPr lang="en-US"/>
               <a:t>Click to edit Master title style</a:t>
             </a:r>
-            <a:endParaRPr lang="en-US"/>
           </a:p>
         </p:txBody>
       </p:sp>
@@ -1401,7 +1391,7 @@
           <a:p>
             <a:pPr lvl="0"/>
             <a:r>
-              <a:rPr lang="en-US" smtClean="0"/>
+              <a:rPr lang="en-US"/>
               <a:t>Click to edit Master text styles</a:t>
             </a:r>
           </a:p>
@@ -1424,7 +1414,7 @@
           <a:p>
             <a:fld id="{B519623D-D8C4-D246-A1F7-180DFBDF806B}" type="datetimeFigureOut">
               <a:rPr lang="en-US" smtClean="0"/>
-              <a:t>1/2/18</a:t>
+              <a:t>3/25/21</a:t>
             </a:fld>
             <a:endParaRPr lang="en-US"/>
           </a:p>
@@ -1518,10 +1508,9 @@
           <a:lstStyle/>
           <a:p>
             <a:r>
-              <a:rPr lang="en-US" smtClean="0"/>
+              <a:rPr lang="en-US"/>
               <a:t>Click to edit Master title style</a:t>
             </a:r>
-            <a:endParaRPr lang="en-US"/>
           </a:p>
         </p:txBody>
       </p:sp>
@@ -1575,38 +1564,37 @@
           <a:p>
             <a:pPr lvl="0"/>
             <a:r>
-              <a:rPr lang="en-US" smtClean="0"/>
+              <a:rPr lang="en-US"/>
               <a:t>Click to edit Master text styles</a:t>
             </a:r>
           </a:p>
           <a:p>
             <a:pPr lvl="1"/>
             <a:r>
-              <a:rPr lang="en-US" smtClean="0"/>
+              <a:rPr lang="en-US"/>
               <a:t>Second level</a:t>
             </a:r>
           </a:p>
           <a:p>
             <a:pPr lvl="2"/>
             <a:r>
-              <a:rPr lang="en-US" smtClean="0"/>
+              <a:rPr lang="en-US"/>
               <a:t>Third level</a:t>
             </a:r>
           </a:p>
           <a:p>
             <a:pPr lvl="3"/>
             <a:r>
-              <a:rPr lang="en-US" smtClean="0"/>
+              <a:rPr lang="en-US"/>
               <a:t>Fourth level</a:t>
             </a:r>
           </a:p>
           <a:p>
             <a:pPr lvl="4"/>
             <a:r>
-              <a:rPr lang="en-US" smtClean="0"/>
+              <a:rPr lang="en-US"/>
               <a:t>Fifth level</a:t>
             </a:r>
-            <a:endParaRPr lang="en-US"/>
           </a:p>
         </p:txBody>
       </p:sp>
@@ -1660,38 +1648,37 @@
           <a:p>
             <a:pPr lvl="0"/>
             <a:r>
-              <a:rPr lang="en-US" smtClean="0"/>
+              <a:rPr lang="en-US"/>
               <a:t>Click to edit Master text styles</a:t>
             </a:r>
           </a:p>
           <a:p>
             <a:pPr lvl="1"/>
             <a:r>
-              <a:rPr lang="en-US" smtClean="0"/>
+              <a:rPr lang="en-US"/>
               <a:t>Second level</a:t>
             </a:r>
           </a:p>
           <a:p>
             <a:pPr lvl="2"/>
             <a:r>
-              <a:rPr lang="en-US" smtClean="0"/>
+              <a:rPr lang="en-US"/>
               <a:t>Third level</a:t>
             </a:r>
           </a:p>
           <a:p>
             <a:pPr lvl="3"/>
             <a:r>
-              <a:rPr lang="en-US" smtClean="0"/>
+              <a:rPr lang="en-US"/>
               <a:t>Fourth level</a:t>
             </a:r>
           </a:p>
           <a:p>
             <a:pPr lvl="4"/>
             <a:r>
-              <a:rPr lang="en-US" smtClean="0"/>
+              <a:rPr lang="en-US"/>
               <a:t>Fifth level</a:t>
             </a:r>
-            <a:endParaRPr lang="en-US"/>
           </a:p>
         </p:txBody>
       </p:sp>
@@ -1712,7 +1699,7 @@
           <a:p>
             <a:fld id="{B519623D-D8C4-D246-A1F7-180DFBDF806B}" type="datetimeFigureOut">
               <a:rPr lang="en-US" smtClean="0"/>
-              <a:t>1/2/18</a:t>
+              <a:t>3/25/21</a:t>
             </a:fld>
             <a:endParaRPr lang="en-US"/>
           </a:p>
@@ -1810,10 +1797,9 @@
           </a:lstStyle>
           <a:p>
             <a:r>
-              <a:rPr lang="en-US" smtClean="0"/>
+              <a:rPr lang="en-US"/>
               <a:t>Click to edit Master title style</a:t>
             </a:r>
-            <a:endParaRPr lang="en-US"/>
           </a:p>
         </p:txBody>
       </p:sp>
@@ -1876,7 +1862,7 @@
           <a:p>
             <a:pPr lvl="0"/>
             <a:r>
-              <a:rPr lang="en-US" smtClean="0"/>
+              <a:rPr lang="en-US"/>
               <a:t>Click to edit Master text styles</a:t>
             </a:r>
           </a:p>
@@ -1932,38 +1918,37 @@
           <a:p>
             <a:pPr lvl="0"/>
             <a:r>
-              <a:rPr lang="en-US" smtClean="0"/>
+              <a:rPr lang="en-US"/>
               <a:t>Click to edit Master text styles</a:t>
             </a:r>
           </a:p>
           <a:p>
             <a:pPr lvl="1"/>
             <a:r>
-              <a:rPr lang="en-US" smtClean="0"/>
+              <a:rPr lang="en-US"/>
               <a:t>Second level</a:t>
             </a:r>
           </a:p>
           <a:p>
             <a:pPr lvl="2"/>
             <a:r>
-              <a:rPr lang="en-US" smtClean="0"/>
+              <a:rPr lang="en-US"/>
               <a:t>Third level</a:t>
             </a:r>
           </a:p>
           <a:p>
             <a:pPr lvl="3"/>
             <a:r>
-              <a:rPr lang="en-US" smtClean="0"/>
+              <a:rPr lang="en-US"/>
               <a:t>Fourth level</a:t>
             </a:r>
           </a:p>
           <a:p>
             <a:pPr lvl="4"/>
             <a:r>
-              <a:rPr lang="en-US" smtClean="0"/>
+              <a:rPr lang="en-US"/>
               <a:t>Fifth level</a:t>
             </a:r>
-            <a:endParaRPr lang="en-US"/>
           </a:p>
         </p:txBody>
       </p:sp>
@@ -2026,7 +2011,7 @@
           <a:p>
             <a:pPr lvl="0"/>
             <a:r>
-              <a:rPr lang="en-US" smtClean="0"/>
+              <a:rPr lang="en-US"/>
               <a:t>Click to edit Master text styles</a:t>
             </a:r>
           </a:p>
@@ -2082,38 +2067,37 @@
           <a:p>
             <a:pPr lvl="0"/>
             <a:r>
-              <a:rPr lang="en-US" smtClean="0"/>
+              <a:rPr lang="en-US"/>
               <a:t>Click to edit Master text styles</a:t>
             </a:r>
           </a:p>
           <a:p>
             <a:pPr lvl="1"/>
             <a:r>
-              <a:rPr lang="en-US" smtClean="0"/>
+              <a:rPr lang="en-US"/>
               <a:t>Second level</a:t>
             </a:r>
           </a:p>
           <a:p>
             <a:pPr lvl="2"/>
             <a:r>
-              <a:rPr lang="en-US" smtClean="0"/>
+              <a:rPr lang="en-US"/>
               <a:t>Third level</a:t>
             </a:r>
           </a:p>
           <a:p>
             <a:pPr lvl="3"/>
             <a:r>
-              <a:rPr lang="en-US" smtClean="0"/>
+              <a:rPr lang="en-US"/>
               <a:t>Fourth level</a:t>
             </a:r>
           </a:p>
           <a:p>
             <a:pPr lvl="4"/>
             <a:r>
-              <a:rPr lang="en-US" smtClean="0"/>
+              <a:rPr lang="en-US"/>
               <a:t>Fifth level</a:t>
             </a:r>
-            <a:endParaRPr lang="en-US"/>
           </a:p>
         </p:txBody>
       </p:sp>
@@ -2134,7 +2118,7 @@
           <a:p>
             <a:fld id="{B519623D-D8C4-D246-A1F7-180DFBDF806B}" type="datetimeFigureOut">
               <a:rPr lang="en-US" smtClean="0"/>
-              <a:t>1/2/18</a:t>
+              <a:t>3/25/21</a:t>
             </a:fld>
             <a:endParaRPr lang="en-US"/>
           </a:p>
@@ -2228,10 +2212,9 @@
           <a:lstStyle/>
           <a:p>
             <a:r>
-              <a:rPr lang="en-US" smtClean="0"/>
+              <a:rPr lang="en-US"/>
               <a:t>Click to edit Master title style</a:t>
             </a:r>
-            <a:endParaRPr lang="en-US"/>
           </a:p>
         </p:txBody>
       </p:sp>
@@ -2252,7 +2235,7 @@
           <a:p>
             <a:fld id="{B519623D-D8C4-D246-A1F7-180DFBDF806B}" type="datetimeFigureOut">
               <a:rPr lang="en-US" smtClean="0"/>
-              <a:t>1/2/18</a:t>
+              <a:t>3/25/21</a:t>
             </a:fld>
             <a:endParaRPr lang="en-US"/>
           </a:p>
@@ -2347,7 +2330,7 @@
           <a:p>
             <a:fld id="{B519623D-D8C4-D246-A1F7-180DFBDF806B}" type="datetimeFigureOut">
               <a:rPr lang="en-US" smtClean="0"/>
-              <a:t>1/2/18</a:t>
+              <a:t>3/25/21</a:t>
             </a:fld>
             <a:endParaRPr lang="en-US"/>
           </a:p>
@@ -2450,10 +2433,9 @@
           </a:lstStyle>
           <a:p>
             <a:r>
-              <a:rPr lang="en-US" smtClean="0"/>
+              <a:rPr lang="en-US"/>
               <a:t>Click to edit Master title style</a:t>
             </a:r>
-            <a:endParaRPr lang="en-US"/>
           </a:p>
         </p:txBody>
       </p:sp>
@@ -2507,38 +2489,37 @@
           <a:p>
             <a:pPr lvl="0"/>
             <a:r>
-              <a:rPr lang="en-US" smtClean="0"/>
+              <a:rPr lang="en-US"/>
               <a:t>Click to edit Master text styles</a:t>
             </a:r>
           </a:p>
           <a:p>
             <a:pPr lvl="1"/>
             <a:r>
-              <a:rPr lang="en-US" smtClean="0"/>
+              <a:rPr lang="en-US"/>
               <a:t>Second level</a:t>
             </a:r>
           </a:p>
           <a:p>
             <a:pPr lvl="2"/>
             <a:r>
-              <a:rPr lang="en-US" smtClean="0"/>
+              <a:rPr lang="en-US"/>
               <a:t>Third level</a:t>
             </a:r>
           </a:p>
           <a:p>
             <a:pPr lvl="3"/>
             <a:r>
-              <a:rPr lang="en-US" smtClean="0"/>
+              <a:rPr lang="en-US"/>
               <a:t>Fourth level</a:t>
             </a:r>
           </a:p>
           <a:p>
             <a:pPr lvl="4"/>
             <a:r>
-              <a:rPr lang="en-US" smtClean="0"/>
+              <a:rPr lang="en-US"/>
               <a:t>Fifth level</a:t>
             </a:r>
-            <a:endParaRPr lang="en-US"/>
           </a:p>
         </p:txBody>
       </p:sp>
@@ -2601,7 +2582,7 @@
           <a:p>
             <a:pPr lvl="0"/>
             <a:r>
-              <a:rPr lang="en-US" smtClean="0"/>
+              <a:rPr lang="en-US"/>
               <a:t>Click to edit Master text styles</a:t>
             </a:r>
           </a:p>
@@ -2624,7 +2605,7 @@
           <a:p>
             <a:fld id="{B519623D-D8C4-D246-A1F7-180DFBDF806B}" type="datetimeFigureOut">
               <a:rPr lang="en-US" smtClean="0"/>
-              <a:t>1/2/18</a:t>
+              <a:t>3/25/21</a:t>
             </a:fld>
             <a:endParaRPr lang="en-US"/>
           </a:p>
@@ -2727,10 +2708,9 @@
           </a:lstStyle>
           <a:p>
             <a:r>
-              <a:rPr lang="en-US" smtClean="0"/>
+              <a:rPr lang="en-US"/>
               <a:t>Click to edit Master title style</a:t>
             </a:r>
-            <a:endParaRPr lang="en-US"/>
           </a:p>
         </p:txBody>
       </p:sp>
@@ -2854,7 +2834,7 @@
           <a:p>
             <a:pPr lvl="0"/>
             <a:r>
-              <a:rPr lang="en-US" smtClean="0"/>
+              <a:rPr lang="en-US"/>
               <a:t>Click to edit Master text styles</a:t>
             </a:r>
           </a:p>
@@ -2877,7 +2857,7 @@
           <a:p>
             <a:fld id="{B519623D-D8C4-D246-A1F7-180DFBDF806B}" type="datetimeFigureOut">
               <a:rPr lang="en-US" smtClean="0"/>
-              <a:t>1/2/18</a:t>
+              <a:t>3/25/21</a:t>
             </a:fld>
             <a:endParaRPr lang="en-US"/>
           </a:p>
@@ -2986,10 +2966,9 @@
           <a:lstStyle/>
           <a:p>
             <a:r>
-              <a:rPr lang="en-US" smtClean="0"/>
+              <a:rPr lang="en-US"/>
               <a:t>Click to edit Master title style</a:t>
             </a:r>
-            <a:endParaRPr lang="en-US"/>
           </a:p>
         </p:txBody>
       </p:sp>
@@ -3020,38 +2999,37 @@
           <a:p>
             <a:pPr lvl="0"/>
             <a:r>
-              <a:rPr lang="en-US" smtClean="0"/>
+              <a:rPr lang="en-US"/>
               <a:t>Click to edit Master text styles</a:t>
             </a:r>
           </a:p>
           <a:p>
             <a:pPr lvl="1"/>
             <a:r>
-              <a:rPr lang="en-US" smtClean="0"/>
+              <a:rPr lang="en-US"/>
               <a:t>Second level</a:t>
             </a:r>
           </a:p>
           <a:p>
             <a:pPr lvl="2"/>
             <a:r>
-              <a:rPr lang="en-US" smtClean="0"/>
+              <a:rPr lang="en-US"/>
               <a:t>Third level</a:t>
             </a:r>
           </a:p>
           <a:p>
             <a:pPr lvl="3"/>
             <a:r>
-              <a:rPr lang="en-US" smtClean="0"/>
+              <a:rPr lang="en-US"/>
               <a:t>Fourth level</a:t>
             </a:r>
           </a:p>
           <a:p>
             <a:pPr lvl="4"/>
             <a:r>
-              <a:rPr lang="en-US" smtClean="0"/>
+              <a:rPr lang="en-US"/>
               <a:t>Fifth level</a:t>
             </a:r>
-            <a:endParaRPr lang="en-US"/>
           </a:p>
         </p:txBody>
       </p:sp>
@@ -3090,7 +3068,7 @@
           <a:p>
             <a:fld id="{B519623D-D8C4-D246-A1F7-180DFBDF806B}" type="datetimeFigureOut">
               <a:rPr lang="en-US" smtClean="0"/>
-              <a:t>1/2/18</a:t>
+              <a:t>3/25/21</a:t>
             </a:fld>
             <a:endParaRPr lang="en-US"/>
           </a:p>
@@ -3646,7 +3624,7 @@
           <a:p>
             <a:pPr algn="ctr"/>
             <a:r>
-              <a:rPr lang="en-US" i="1" dirty="0" err="1" smtClean="0">
+              <a:rPr lang="en-US" i="1" dirty="0" err="1">
                 <a:solidFill>
                   <a:schemeClr val="tx1"/>
                 </a:solidFill>
@@ -4092,7 +4070,7 @@
           <a:lstStyle/>
           <a:p>
             <a:r>
-              <a:rPr lang="en-US" i="1" dirty="0" err="1" smtClean="0"/>
+              <a:rPr lang="en-US" i="1" dirty="0" err="1"/>
               <a:t>tetR</a:t>
             </a:r>
             <a:endParaRPr lang="en-US" i="1" dirty="0"/>
@@ -4166,7 +4144,7 @@
           <a:lstStyle/>
           <a:p>
             <a:r>
-              <a:rPr lang="en-US" b="1" dirty="0" smtClean="0">
+              <a:rPr lang="en-US" b="1" dirty="0">
                 <a:solidFill>
                   <a:schemeClr val="tx1">
                     <a:lumMod val="65000"/>
@@ -4176,14 +4154,6 @@
               </a:rPr>
               <a:t>Nucleic Acid Backbone</a:t>
             </a:r>
-            <a:endParaRPr lang="en-US" b="1" dirty="0">
-              <a:solidFill>
-                <a:schemeClr val="tx1">
-                  <a:lumMod val="65000"/>
-                  <a:lumOff val="35000"/>
-                </a:schemeClr>
-              </a:solidFill>
-            </a:endParaRPr>
           </a:p>
         </p:txBody>
       </p:sp>
@@ -4211,7 +4181,7 @@
           <a:lstStyle/>
           <a:p>
             <a:r>
-              <a:rPr lang="en-US" b="1" dirty="0" smtClean="0">
+              <a:rPr lang="en-US" b="1" dirty="0">
                 <a:solidFill>
                   <a:schemeClr val="tx1">
                     <a:lumMod val="65000"/>
@@ -4221,14 +4191,6 @@
               </a:rPr>
               <a:t>Sequence Feature Glyphs</a:t>
             </a:r>
-            <a:endParaRPr lang="en-US" b="1" dirty="0">
-              <a:solidFill>
-                <a:schemeClr val="tx1">
-                  <a:lumMod val="65000"/>
-                  <a:lumOff val="35000"/>
-                </a:schemeClr>
-              </a:solidFill>
-            </a:endParaRPr>
           </a:p>
         </p:txBody>
       </p:sp>
@@ -4257,7 +4219,7 @@
           <a:p>
             <a:pPr algn="ctr"/>
             <a:r>
-              <a:rPr lang="en-US" b="1" dirty="0" smtClean="0">
+              <a:rPr lang="en-US" b="1" dirty="0">
                 <a:solidFill>
                   <a:schemeClr val="tx1">
                     <a:lumMod val="65000"/>
@@ -4271,7 +4233,7 @@
           <a:p>
             <a:pPr algn="ctr"/>
             <a:r>
-              <a:rPr lang="en-US" b="1" dirty="0" smtClean="0">
+              <a:rPr lang="en-US" b="1" dirty="0">
                 <a:solidFill>
                   <a:schemeClr val="tx1">
                     <a:lumMod val="65000"/>
@@ -4281,14 +4243,6 @@
               </a:rPr>
               <a:t>Acid Component Glyphs</a:t>
             </a:r>
-            <a:endParaRPr lang="en-US" b="1" dirty="0">
-              <a:solidFill>
-                <a:schemeClr val="tx1">
-                  <a:lumMod val="65000"/>
-                  <a:lumOff val="35000"/>
-                </a:schemeClr>
-              </a:solidFill>
-            </a:endParaRPr>
           </a:p>
         </p:txBody>
       </p:sp>
@@ -4568,7 +4522,7 @@
           <a:lstStyle/>
           <a:p>
             <a:r>
-              <a:rPr lang="en-US" b="1" smtClean="0">
+              <a:rPr lang="en-US" b="1">
                 <a:solidFill>
                   <a:schemeClr val="tx1">
                     <a:lumMod val="65000"/>
@@ -4785,7 +4739,7 @@
           <a:lstStyle/>
           <a:p>
             <a:r>
-              <a:rPr lang="en-US" b="1" dirty="0" smtClean="0">
+              <a:rPr lang="en-US" b="1" dirty="0">
                 <a:solidFill>
                   <a:schemeClr val="tx1">
                     <a:lumMod val="65000"/>
@@ -4795,14 +4749,6 @@
               </a:rPr>
               <a:t>Interactions</a:t>
             </a:r>
-            <a:endParaRPr lang="en-US" b="1" dirty="0">
-              <a:solidFill>
-                <a:schemeClr val="tx1">
-                  <a:lumMod val="65000"/>
-                  <a:lumOff val="35000"/>
-                </a:schemeClr>
-              </a:solidFill>
-            </a:endParaRPr>
           </a:p>
         </p:txBody>
       </p:sp>
@@ -4849,65 +4795,6 @@
           </a:fontRef>
         </p:style>
       </p:cxnSp>
-      <p:sp>
-        <p:nvSpPr>
-          <p:cNvPr id="40" name="Oval 39"/>
-          <p:cNvSpPr/>
-          <p:nvPr/>
-        </p:nvSpPr>
-        <p:spPr>
-          <a:xfrm>
-            <a:off x="4739128" y="2110096"/>
-            <a:ext cx="734572" cy="432955"/>
-          </a:xfrm>
-          <a:prstGeom prst="ellipse">
-            <a:avLst/>
-          </a:prstGeom>
-          <a:solidFill>
-            <a:srgbClr val="008000"/>
-          </a:solidFill>
-          <a:ln w="38100" cmpd="sng">
-            <a:solidFill>
-              <a:schemeClr val="tx1"/>
-            </a:solidFill>
-          </a:ln>
-          <a:effectLst/>
-        </p:spPr>
-        <p:style>
-          <a:lnRef idx="1">
-            <a:schemeClr val="accent1"/>
-          </a:lnRef>
-          <a:fillRef idx="3">
-            <a:schemeClr val="accent1"/>
-          </a:fillRef>
-          <a:effectRef idx="2">
-            <a:schemeClr val="accent1"/>
-          </a:effectRef>
-          <a:fontRef idx="minor">
-            <a:schemeClr val="lt1"/>
-          </a:fontRef>
-        </p:style>
-        <p:txBody>
-          <a:bodyPr wrap="none" rtlCol="0" anchor="ctr"/>
-          <a:lstStyle/>
-          <a:p>
-            <a:pPr algn="ctr"/>
-            <a:r>
-              <a:rPr lang="en-US" dirty="0" smtClean="0">
-                <a:solidFill>
-                  <a:srgbClr val="000000"/>
-                </a:solidFill>
-              </a:rPr>
-              <a:t>GFP</a:t>
-            </a:r>
-            <a:endParaRPr lang="en-US" dirty="0">
-              <a:solidFill>
-                <a:srgbClr val="000000"/>
-              </a:solidFill>
-            </a:endParaRPr>
-          </a:p>
-        </p:txBody>
-      </p:sp>
       <p:cxnSp>
         <p:nvCxnSpPr>
           <p:cNvPr id="41" name="Straight Connector 21"/>
@@ -5015,7 +4902,7 @@
           <a:lstStyle/>
           <a:p>
             <a:r>
-              <a:rPr lang="en-US" b="1" smtClean="0">
+              <a:rPr lang="en-US" b="1">
                 <a:solidFill>
                   <a:schemeClr val="tx1">
                     <a:lumMod val="65000"/>
@@ -5040,7 +4927,7 @@
         <p:nvCxnSpPr>
           <p:cNvPr id="46" name="Straight Connector 45"/>
           <p:cNvCxnSpPr>
-            <a:endCxn id="40" idx="1"/>
+            <a:cxnSpLocks/>
           </p:cNvCxnSpPr>
           <p:nvPr/>
         </p:nvCxnSpPr>
@@ -5117,6 +5004,68 @@
           </a:fontRef>
         </p:style>
       </p:cxnSp>
+      <p:sp>
+        <p:nvSpPr>
+          <p:cNvPr id="2" name="Rounded Rectangle 1">
+            <a:extLst>
+              <a:ext uri="{FF2B5EF4-FFF2-40B4-BE49-F238E27FC236}">
+                <a16:creationId xmlns:a16="http://schemas.microsoft.com/office/drawing/2014/main" id="{82389E09-9248-7143-80F2-54DE128CE885}"/>
+              </a:ext>
+            </a:extLst>
+          </p:cNvPr>
+          <p:cNvSpPr/>
+          <p:nvPr/>
+        </p:nvSpPr>
+        <p:spPr>
+          <a:xfrm>
+            <a:off x="4739128" y="2094584"/>
+            <a:ext cx="734572" cy="429768"/>
+          </a:xfrm>
+          <a:prstGeom prst="roundRect">
+            <a:avLst>
+              <a:gd name="adj" fmla="val 50000"/>
+            </a:avLst>
+          </a:prstGeom>
+          <a:solidFill>
+            <a:srgbClr val="008000"/>
+          </a:solidFill>
+          <a:ln w="38100">
+            <a:solidFill>
+              <a:schemeClr val="tx1"/>
+            </a:solidFill>
+          </a:ln>
+          <a:effectLst/>
+        </p:spPr>
+        <p:style>
+          <a:lnRef idx="1">
+            <a:schemeClr val="accent1"/>
+          </a:lnRef>
+          <a:fillRef idx="3">
+            <a:schemeClr val="accent1"/>
+          </a:fillRef>
+          <a:effectRef idx="2">
+            <a:schemeClr val="accent1"/>
+          </a:effectRef>
+          <a:fontRef idx="minor">
+            <a:schemeClr val="lt1"/>
+          </a:fontRef>
+        </p:style>
+        <p:txBody>
+          <a:bodyPr rtlCol="0" anchor="ctr"/>
+          <a:lstStyle/>
+          <a:p>
+            <a:pPr algn="ctr"/>
+            <a:r>
+              <a:rPr lang="en-US" dirty="0">
+                <a:solidFill>
+                  <a:sysClr val="windowText" lastClr="000000"/>
+                </a:solidFill>
+              </a:rPr>
+              <a:t>GFP</a:t>
+            </a:r>
+          </a:p>
+        </p:txBody>
+      </p:sp>
     </p:spTree>
     <p:extLst>
       <p:ext uri="{BB962C8B-B14F-4D97-AF65-F5344CB8AC3E}">
@@ -5127,13 +5076,6 @@
   <p:clrMapOvr>
     <a:masterClrMapping/>
   </p:clrMapOvr>
-  <p:timing>
-    <p:tnLst>
-      <p:par>
-        <p:cTn id="1" dur="indefinite" restart="never" nodeType="tmRoot"/>
-      </p:par>
-    </p:tnLst>
-  </p:timing>
 </p:sld>
 </file>
 
@@ -5237,7 +5179,7 @@
           <a:p>
             <a:pPr algn="ctr"/>
             <a:r>
-              <a:rPr lang="en-US" i="1" dirty="0" smtClean="0">
+              <a:rPr lang="en-US" i="1" dirty="0">
                 <a:solidFill>
                   <a:schemeClr val="tx2"/>
                 </a:solidFill>
@@ -5248,18 +5190,13 @@
           <a:p>
             <a:pPr algn="ctr"/>
             <a:r>
-              <a:rPr lang="en-US" i="1" dirty="0" smtClean="0">
+              <a:rPr lang="en-US" i="1" dirty="0">
                 <a:solidFill>
                   <a:schemeClr val="tx2"/>
                 </a:solidFill>
               </a:rPr>
               <a:t>+ Strand</a:t>
             </a:r>
-            <a:endParaRPr lang="en-US" i="1" dirty="0">
-              <a:solidFill>
-                <a:schemeClr val="tx2"/>
-              </a:solidFill>
-            </a:endParaRPr>
           </a:p>
         </p:txBody>
       </p:sp>
@@ -5306,7 +5243,7 @@
           <a:p>
             <a:pPr algn="ctr"/>
             <a:r>
-              <a:rPr lang="en-US" i="1" dirty="0" smtClean="0">
+              <a:rPr lang="en-US" i="1" dirty="0">
                 <a:solidFill>
                   <a:schemeClr val="tx2"/>
                 </a:solidFill>
@@ -5317,18 +5254,13 @@
           <a:p>
             <a:pPr algn="ctr"/>
             <a:r>
-              <a:rPr lang="en-US" i="1" dirty="0" smtClean="0">
+              <a:rPr lang="en-US" i="1" dirty="0">
                 <a:solidFill>
                   <a:schemeClr val="tx2"/>
                 </a:solidFill>
               </a:rPr>
               <a:t>- Strand</a:t>
             </a:r>
-            <a:endParaRPr lang="en-US" i="1" dirty="0">
-              <a:solidFill>
-                <a:schemeClr val="tx2"/>
-              </a:solidFill>
-            </a:endParaRPr>
           </a:p>
         </p:txBody>
       </p:sp>
@@ -5375,18 +5307,13 @@
           <a:p>
             <a:pPr algn="ctr"/>
             <a:r>
-              <a:rPr lang="en-US" i="1" dirty="0" smtClean="0">
+              <a:rPr lang="en-US" i="1" dirty="0">
                 <a:solidFill>
                   <a:schemeClr val="tx2"/>
                 </a:solidFill>
               </a:rPr>
               <a:t>Sequence Feature</a:t>
             </a:r>
-            <a:endParaRPr lang="en-US" i="1" dirty="0">
-              <a:solidFill>
-                <a:schemeClr val="tx2"/>
-              </a:solidFill>
-            </a:endParaRPr>
           </a:p>
         </p:txBody>
       </p:sp>
@@ -5414,7 +5341,7 @@
           <a:lstStyle/>
           <a:p>
             <a:r>
-              <a:rPr lang="en-US" i="1" smtClean="0">
+              <a:rPr lang="en-US" i="1">
                 <a:solidFill>
                   <a:schemeClr val="tx2"/>
                 </a:solidFill>
@@ -5472,18 +5399,13 @@
           <a:p>
             <a:pPr algn="ctr"/>
             <a:r>
-              <a:rPr lang="en-US" i="1" dirty="0" smtClean="0">
+              <a:rPr lang="en-US" i="1" dirty="0">
                 <a:solidFill>
                   <a:schemeClr val="tx2"/>
                 </a:solidFill>
               </a:rPr>
               <a:t>Annotation</a:t>
             </a:r>
-            <a:endParaRPr lang="en-US" i="1" dirty="0">
-              <a:solidFill>
-                <a:schemeClr val="tx2"/>
-              </a:solidFill>
-            </a:endParaRPr>
           </a:p>
         </p:txBody>
       </p:sp>
@@ -5530,18 +5452,13 @@
           <a:p>
             <a:pPr algn="ctr"/>
             <a:r>
-              <a:rPr lang="en-US" i="1" dirty="0" smtClean="0">
+              <a:rPr lang="en-US" i="1" dirty="0">
                 <a:solidFill>
                   <a:schemeClr val="tx2"/>
                 </a:solidFill>
               </a:rPr>
               <a:t>Molecular Species</a:t>
             </a:r>
-            <a:endParaRPr lang="en-US" i="1" dirty="0">
-              <a:solidFill>
-                <a:schemeClr val="tx2"/>
-              </a:solidFill>
-            </a:endParaRPr>
           </a:p>
         </p:txBody>
       </p:sp>
@@ -5588,18 +5505,13 @@
           <a:p>
             <a:pPr algn="ctr"/>
             <a:r>
-              <a:rPr lang="en-US" i="1" dirty="0" smtClean="0">
+              <a:rPr lang="en-US" i="1" dirty="0">
                 <a:solidFill>
                   <a:schemeClr val="tx2"/>
                 </a:solidFill>
               </a:rPr>
               <a:t>Molecular Species</a:t>
             </a:r>
-            <a:endParaRPr lang="en-US" i="1" dirty="0">
-              <a:solidFill>
-                <a:schemeClr val="tx2"/>
-              </a:solidFill>
-            </a:endParaRPr>
           </a:p>
         </p:txBody>
       </p:sp>
@@ -5759,18 +5671,13 @@
           <a:lstStyle/>
           <a:p>
             <a:r>
-              <a:rPr lang="en-US" i="1" dirty="0" smtClean="0">
+              <a:rPr lang="en-US" i="1" dirty="0">
                 <a:solidFill>
                   <a:schemeClr val="tx2"/>
                 </a:solidFill>
               </a:rPr>
               <a:t>Interaction</a:t>
             </a:r>
-            <a:endParaRPr lang="en-US" i="1" dirty="0">
-              <a:solidFill>
-                <a:schemeClr val="tx2"/>
-              </a:solidFill>
-            </a:endParaRPr>
           </a:p>
         </p:txBody>
       </p:sp>
@@ -5798,18 +5705,13 @@
           <a:lstStyle/>
           <a:p>
             <a:r>
-              <a:rPr lang="en-US" i="1" dirty="0" smtClean="0">
+              <a:rPr lang="en-US" i="1" dirty="0">
                 <a:solidFill>
                   <a:schemeClr val="tx2"/>
                 </a:solidFill>
               </a:rPr>
               <a:t>Interaction</a:t>
             </a:r>
-            <a:endParaRPr lang="en-US" i="1" dirty="0">
-              <a:solidFill>
-                <a:schemeClr val="tx2"/>
-              </a:solidFill>
-            </a:endParaRPr>
           </a:p>
         </p:txBody>
       </p:sp>
@@ -5837,18 +5739,13 @@
           <a:lstStyle/>
           <a:p>
             <a:r>
-              <a:rPr lang="en-US" i="1" dirty="0" smtClean="0">
+              <a:rPr lang="en-US" i="1" dirty="0">
                 <a:solidFill>
                   <a:schemeClr val="tx2"/>
                 </a:solidFill>
               </a:rPr>
               <a:t>Interaction</a:t>
             </a:r>
-            <a:endParaRPr lang="en-US" i="1" dirty="0">
-              <a:solidFill>
-                <a:schemeClr val="tx2"/>
-              </a:solidFill>
-            </a:endParaRPr>
           </a:p>
         </p:txBody>
       </p:sp>
@@ -5862,13 +5759,6 @@
   <p:clrMapOvr>
     <a:masterClrMapping/>
   </p:clrMapOvr>
-  <p:timing>
-    <p:tnLst>
-      <p:par>
-        <p:cTn id="1" dur="indefinite" restart="never" nodeType="tmRoot"/>
-      </p:par>
-    </p:tnLst>
-  </p:timing>
 </p:sld>
 </file>
 

--- a/specification/imgsrc/sbolv_general.pptx
+++ b/specification/imgsrc/sbolv_general.pptx
@@ -209,7 +209,7 @@
           <a:p>
             <a:fld id="{F609F0E1-BC1C-764A-AC2B-4145881676D6}" type="datetimeFigureOut">
               <a:rPr lang="en-US" smtClean="0"/>
-              <a:t>3/25/21</a:t>
+              <a:t>1/2/18</a:t>
             </a:fld>
             <a:endParaRPr lang="en-US"/>
           </a:p>
@@ -273,37 +273,38 @@
           <a:p>
             <a:pPr lvl="0"/>
             <a:r>
-              <a:rPr lang="en-US"/>
+              <a:rPr lang="en-US" smtClean="0"/>
               <a:t>Click to edit Master text styles</a:t>
             </a:r>
           </a:p>
           <a:p>
             <a:pPr lvl="1"/>
             <a:r>
-              <a:rPr lang="en-US"/>
+              <a:rPr lang="en-US" smtClean="0"/>
               <a:t>Second level</a:t>
             </a:r>
           </a:p>
           <a:p>
             <a:pPr lvl="2"/>
             <a:r>
-              <a:rPr lang="en-US"/>
+              <a:rPr lang="en-US" smtClean="0"/>
               <a:t>Third level</a:t>
             </a:r>
           </a:p>
           <a:p>
             <a:pPr lvl="3"/>
             <a:r>
-              <a:rPr lang="en-US"/>
+              <a:rPr lang="en-US" smtClean="0"/>
               <a:t>Fourth level</a:t>
             </a:r>
           </a:p>
           <a:p>
             <a:pPr lvl="4"/>
             <a:r>
-              <a:rPr lang="en-US"/>
+              <a:rPr lang="en-US" smtClean="0"/>
               <a:t>Fifth level</a:t>
             </a:r>
+            <a:endParaRPr lang="en-US"/>
           </a:p>
         </p:txBody>
       </p:sp>
@@ -514,9 +515,10 @@
           <a:lstStyle/>
           <a:p>
             <a:r>
-              <a:rPr lang="en-US"/>
+              <a:rPr lang="en-US" smtClean="0"/>
               <a:t>Click to edit Master title style</a:t>
             </a:r>
+            <a:endParaRPr lang="en-US"/>
           </a:p>
         </p:txBody>
       </p:sp>
@@ -632,9 +634,10 @@
           </a:lstStyle>
           <a:p>
             <a:r>
-              <a:rPr lang="en-US"/>
+              <a:rPr lang="en-US" smtClean="0"/>
               <a:t>Click to edit Master subtitle style</a:t>
             </a:r>
+            <a:endParaRPr lang="en-US"/>
           </a:p>
         </p:txBody>
       </p:sp>
@@ -655,7 +658,7 @@
           <a:p>
             <a:fld id="{B519623D-D8C4-D246-A1F7-180DFBDF806B}" type="datetimeFigureOut">
               <a:rPr lang="en-US" smtClean="0"/>
-              <a:t>3/25/21</a:t>
+              <a:t>1/2/18</a:t>
             </a:fld>
             <a:endParaRPr lang="en-US"/>
           </a:p>
@@ -749,9 +752,10 @@
           <a:lstStyle/>
           <a:p>
             <a:r>
-              <a:rPr lang="en-US"/>
+              <a:rPr lang="en-US" smtClean="0"/>
               <a:t>Click to edit Master title style</a:t>
             </a:r>
+            <a:endParaRPr lang="en-US"/>
           </a:p>
         </p:txBody>
       </p:sp>
@@ -772,37 +776,38 @@
           <a:p>
             <a:pPr lvl="0"/>
             <a:r>
-              <a:rPr lang="en-US"/>
+              <a:rPr lang="en-US" smtClean="0"/>
               <a:t>Click to edit Master text styles</a:t>
             </a:r>
           </a:p>
           <a:p>
             <a:pPr lvl="1"/>
             <a:r>
-              <a:rPr lang="en-US"/>
+              <a:rPr lang="en-US" smtClean="0"/>
               <a:t>Second level</a:t>
             </a:r>
           </a:p>
           <a:p>
             <a:pPr lvl="2"/>
             <a:r>
-              <a:rPr lang="en-US"/>
+              <a:rPr lang="en-US" smtClean="0"/>
               <a:t>Third level</a:t>
             </a:r>
           </a:p>
           <a:p>
             <a:pPr lvl="3"/>
             <a:r>
-              <a:rPr lang="en-US"/>
+              <a:rPr lang="en-US" smtClean="0"/>
               <a:t>Fourth level</a:t>
             </a:r>
           </a:p>
           <a:p>
             <a:pPr lvl="4"/>
             <a:r>
-              <a:rPr lang="en-US"/>
+              <a:rPr lang="en-US" smtClean="0"/>
               <a:t>Fifth level</a:t>
             </a:r>
+            <a:endParaRPr lang="en-US"/>
           </a:p>
         </p:txBody>
       </p:sp>
@@ -823,7 +828,7 @@
           <a:p>
             <a:fld id="{B519623D-D8C4-D246-A1F7-180DFBDF806B}" type="datetimeFigureOut">
               <a:rPr lang="en-US" smtClean="0"/>
-              <a:t>3/25/21</a:t>
+              <a:t>1/2/18</a:t>
             </a:fld>
             <a:endParaRPr lang="en-US"/>
           </a:p>
@@ -922,9 +927,10 @@
           <a:lstStyle/>
           <a:p>
             <a:r>
-              <a:rPr lang="en-US"/>
+              <a:rPr lang="en-US" smtClean="0"/>
               <a:t>Click to edit Master title style</a:t>
             </a:r>
+            <a:endParaRPr lang="en-US"/>
           </a:p>
         </p:txBody>
       </p:sp>
@@ -950,37 +956,38 @@
           <a:p>
             <a:pPr lvl="0"/>
             <a:r>
-              <a:rPr lang="en-US"/>
+              <a:rPr lang="en-US" smtClean="0"/>
               <a:t>Click to edit Master text styles</a:t>
             </a:r>
           </a:p>
           <a:p>
             <a:pPr lvl="1"/>
             <a:r>
-              <a:rPr lang="en-US"/>
+              <a:rPr lang="en-US" smtClean="0"/>
               <a:t>Second level</a:t>
             </a:r>
           </a:p>
           <a:p>
             <a:pPr lvl="2"/>
             <a:r>
-              <a:rPr lang="en-US"/>
+              <a:rPr lang="en-US" smtClean="0"/>
               <a:t>Third level</a:t>
             </a:r>
           </a:p>
           <a:p>
             <a:pPr lvl="3"/>
             <a:r>
-              <a:rPr lang="en-US"/>
+              <a:rPr lang="en-US" smtClean="0"/>
               <a:t>Fourth level</a:t>
             </a:r>
           </a:p>
           <a:p>
             <a:pPr lvl="4"/>
             <a:r>
-              <a:rPr lang="en-US"/>
+              <a:rPr lang="en-US" smtClean="0"/>
               <a:t>Fifth level</a:t>
             </a:r>
+            <a:endParaRPr lang="en-US"/>
           </a:p>
         </p:txBody>
       </p:sp>
@@ -1001,7 +1008,7 @@
           <a:p>
             <a:fld id="{B519623D-D8C4-D246-A1F7-180DFBDF806B}" type="datetimeFigureOut">
               <a:rPr lang="en-US" smtClean="0"/>
-              <a:t>3/25/21</a:t>
+              <a:t>1/2/18</a:t>
             </a:fld>
             <a:endParaRPr lang="en-US"/>
           </a:p>
@@ -1095,9 +1102,10 @@
           <a:lstStyle/>
           <a:p>
             <a:r>
-              <a:rPr lang="en-US"/>
+              <a:rPr lang="en-US" smtClean="0"/>
               <a:t>Click to edit Master title style</a:t>
             </a:r>
+            <a:endParaRPr lang="en-US"/>
           </a:p>
         </p:txBody>
       </p:sp>
@@ -1118,37 +1126,38 @@
           <a:p>
             <a:pPr lvl="0"/>
             <a:r>
-              <a:rPr lang="en-US"/>
+              <a:rPr lang="en-US" smtClean="0"/>
               <a:t>Click to edit Master text styles</a:t>
             </a:r>
           </a:p>
           <a:p>
             <a:pPr lvl="1"/>
             <a:r>
-              <a:rPr lang="en-US"/>
+              <a:rPr lang="en-US" smtClean="0"/>
               <a:t>Second level</a:t>
             </a:r>
           </a:p>
           <a:p>
             <a:pPr lvl="2"/>
             <a:r>
-              <a:rPr lang="en-US"/>
+              <a:rPr lang="en-US" smtClean="0"/>
               <a:t>Third level</a:t>
             </a:r>
           </a:p>
           <a:p>
             <a:pPr lvl="3"/>
             <a:r>
-              <a:rPr lang="en-US"/>
+              <a:rPr lang="en-US" smtClean="0"/>
               <a:t>Fourth level</a:t>
             </a:r>
           </a:p>
           <a:p>
             <a:pPr lvl="4"/>
             <a:r>
-              <a:rPr lang="en-US"/>
+              <a:rPr lang="en-US" smtClean="0"/>
               <a:t>Fifth level</a:t>
             </a:r>
+            <a:endParaRPr lang="en-US"/>
           </a:p>
         </p:txBody>
       </p:sp>
@@ -1169,7 +1178,7 @@
           <a:p>
             <a:fld id="{B519623D-D8C4-D246-A1F7-180DFBDF806B}" type="datetimeFigureOut">
               <a:rPr lang="en-US" smtClean="0"/>
-              <a:t>3/25/21</a:t>
+              <a:t>1/2/18</a:t>
             </a:fld>
             <a:endParaRPr lang="en-US"/>
           </a:p>
@@ -1272,9 +1281,10 @@
           </a:lstStyle>
           <a:p>
             <a:r>
-              <a:rPr lang="en-US"/>
+              <a:rPr lang="en-US" smtClean="0"/>
               <a:t>Click to edit Master title style</a:t>
             </a:r>
+            <a:endParaRPr lang="en-US"/>
           </a:p>
         </p:txBody>
       </p:sp>
@@ -1391,7 +1401,7 @@
           <a:p>
             <a:pPr lvl="0"/>
             <a:r>
-              <a:rPr lang="en-US"/>
+              <a:rPr lang="en-US" smtClean="0"/>
               <a:t>Click to edit Master text styles</a:t>
             </a:r>
           </a:p>
@@ -1414,7 +1424,7 @@
           <a:p>
             <a:fld id="{B519623D-D8C4-D246-A1F7-180DFBDF806B}" type="datetimeFigureOut">
               <a:rPr lang="en-US" smtClean="0"/>
-              <a:t>3/25/21</a:t>
+              <a:t>1/2/18</a:t>
             </a:fld>
             <a:endParaRPr lang="en-US"/>
           </a:p>
@@ -1508,9 +1518,10 @@
           <a:lstStyle/>
           <a:p>
             <a:r>
-              <a:rPr lang="en-US"/>
+              <a:rPr lang="en-US" smtClean="0"/>
               <a:t>Click to edit Master title style</a:t>
             </a:r>
+            <a:endParaRPr lang="en-US"/>
           </a:p>
         </p:txBody>
       </p:sp>
@@ -1564,37 +1575,38 @@
           <a:p>
             <a:pPr lvl="0"/>
             <a:r>
-              <a:rPr lang="en-US"/>
+              <a:rPr lang="en-US" smtClean="0"/>
               <a:t>Click to edit Master text styles</a:t>
             </a:r>
           </a:p>
           <a:p>
             <a:pPr lvl="1"/>
             <a:r>
-              <a:rPr lang="en-US"/>
+              <a:rPr lang="en-US" smtClean="0"/>
               <a:t>Second level</a:t>
             </a:r>
           </a:p>
           <a:p>
             <a:pPr lvl="2"/>
             <a:r>
-              <a:rPr lang="en-US"/>
+              <a:rPr lang="en-US" smtClean="0"/>
               <a:t>Third level</a:t>
             </a:r>
           </a:p>
           <a:p>
             <a:pPr lvl="3"/>
             <a:r>
-              <a:rPr lang="en-US"/>
+              <a:rPr lang="en-US" smtClean="0"/>
               <a:t>Fourth level</a:t>
             </a:r>
           </a:p>
           <a:p>
             <a:pPr lvl="4"/>
             <a:r>
-              <a:rPr lang="en-US"/>
+              <a:rPr lang="en-US" smtClean="0"/>
               <a:t>Fifth level</a:t>
             </a:r>
+            <a:endParaRPr lang="en-US"/>
           </a:p>
         </p:txBody>
       </p:sp>
@@ -1648,37 +1660,38 @@
           <a:p>
             <a:pPr lvl="0"/>
             <a:r>
-              <a:rPr lang="en-US"/>
+              <a:rPr lang="en-US" smtClean="0"/>
               <a:t>Click to edit Master text styles</a:t>
             </a:r>
           </a:p>
           <a:p>
             <a:pPr lvl="1"/>
             <a:r>
-              <a:rPr lang="en-US"/>
+              <a:rPr lang="en-US" smtClean="0"/>
               <a:t>Second level</a:t>
             </a:r>
           </a:p>
           <a:p>
             <a:pPr lvl="2"/>
             <a:r>
-              <a:rPr lang="en-US"/>
+              <a:rPr lang="en-US" smtClean="0"/>
               <a:t>Third level</a:t>
             </a:r>
           </a:p>
           <a:p>
             <a:pPr lvl="3"/>
             <a:r>
-              <a:rPr lang="en-US"/>
+              <a:rPr lang="en-US" smtClean="0"/>
               <a:t>Fourth level</a:t>
             </a:r>
           </a:p>
           <a:p>
             <a:pPr lvl="4"/>
             <a:r>
-              <a:rPr lang="en-US"/>
+              <a:rPr lang="en-US" smtClean="0"/>
               <a:t>Fifth level</a:t>
             </a:r>
+            <a:endParaRPr lang="en-US"/>
           </a:p>
         </p:txBody>
       </p:sp>
@@ -1699,7 +1712,7 @@
           <a:p>
             <a:fld id="{B519623D-D8C4-D246-A1F7-180DFBDF806B}" type="datetimeFigureOut">
               <a:rPr lang="en-US" smtClean="0"/>
-              <a:t>3/25/21</a:t>
+              <a:t>1/2/18</a:t>
             </a:fld>
             <a:endParaRPr lang="en-US"/>
           </a:p>
@@ -1797,9 +1810,10 @@
           </a:lstStyle>
           <a:p>
             <a:r>
-              <a:rPr lang="en-US"/>
+              <a:rPr lang="en-US" smtClean="0"/>
               <a:t>Click to edit Master title style</a:t>
             </a:r>
+            <a:endParaRPr lang="en-US"/>
           </a:p>
         </p:txBody>
       </p:sp>
@@ -1862,7 +1876,7 @@
           <a:p>
             <a:pPr lvl="0"/>
             <a:r>
-              <a:rPr lang="en-US"/>
+              <a:rPr lang="en-US" smtClean="0"/>
               <a:t>Click to edit Master text styles</a:t>
             </a:r>
           </a:p>
@@ -1918,37 +1932,38 @@
           <a:p>
             <a:pPr lvl="0"/>
             <a:r>
-              <a:rPr lang="en-US"/>
+              <a:rPr lang="en-US" smtClean="0"/>
               <a:t>Click to edit Master text styles</a:t>
             </a:r>
           </a:p>
           <a:p>
             <a:pPr lvl="1"/>
             <a:r>
-              <a:rPr lang="en-US"/>
+              <a:rPr lang="en-US" smtClean="0"/>
               <a:t>Second level</a:t>
             </a:r>
           </a:p>
           <a:p>
             <a:pPr lvl="2"/>
             <a:r>
-              <a:rPr lang="en-US"/>
+              <a:rPr lang="en-US" smtClean="0"/>
               <a:t>Third level</a:t>
             </a:r>
           </a:p>
           <a:p>
             <a:pPr lvl="3"/>
             <a:r>
-              <a:rPr lang="en-US"/>
+              <a:rPr lang="en-US" smtClean="0"/>
               <a:t>Fourth level</a:t>
             </a:r>
           </a:p>
           <a:p>
             <a:pPr lvl="4"/>
             <a:r>
-              <a:rPr lang="en-US"/>
+              <a:rPr lang="en-US" smtClean="0"/>
               <a:t>Fifth level</a:t>
             </a:r>
+            <a:endParaRPr lang="en-US"/>
           </a:p>
         </p:txBody>
       </p:sp>
@@ -2011,7 +2026,7 @@
           <a:p>
             <a:pPr lvl="0"/>
             <a:r>
-              <a:rPr lang="en-US"/>
+              <a:rPr lang="en-US" smtClean="0"/>
               <a:t>Click to edit Master text styles</a:t>
             </a:r>
           </a:p>
@@ -2067,37 +2082,38 @@
           <a:p>
             <a:pPr lvl="0"/>
             <a:r>
-              <a:rPr lang="en-US"/>
+              <a:rPr lang="en-US" smtClean="0"/>
               <a:t>Click to edit Master text styles</a:t>
             </a:r>
           </a:p>
           <a:p>
             <a:pPr lvl="1"/>
             <a:r>
-              <a:rPr lang="en-US"/>
+              <a:rPr lang="en-US" smtClean="0"/>
               <a:t>Second level</a:t>
             </a:r>
           </a:p>
           <a:p>
             <a:pPr lvl="2"/>
             <a:r>
-              <a:rPr lang="en-US"/>
+              <a:rPr lang="en-US" smtClean="0"/>
               <a:t>Third level</a:t>
             </a:r>
           </a:p>
           <a:p>
             <a:pPr lvl="3"/>
             <a:r>
-              <a:rPr lang="en-US"/>
+              <a:rPr lang="en-US" smtClean="0"/>
               <a:t>Fourth level</a:t>
             </a:r>
           </a:p>
           <a:p>
             <a:pPr lvl="4"/>
             <a:r>
-              <a:rPr lang="en-US"/>
+              <a:rPr lang="en-US" smtClean="0"/>
               <a:t>Fifth level</a:t>
             </a:r>
+            <a:endParaRPr lang="en-US"/>
           </a:p>
         </p:txBody>
       </p:sp>
@@ -2118,7 +2134,7 @@
           <a:p>
             <a:fld id="{B519623D-D8C4-D246-A1F7-180DFBDF806B}" type="datetimeFigureOut">
               <a:rPr lang="en-US" smtClean="0"/>
-              <a:t>3/25/21</a:t>
+              <a:t>1/2/18</a:t>
             </a:fld>
             <a:endParaRPr lang="en-US"/>
           </a:p>
@@ -2212,9 +2228,10 @@
           <a:lstStyle/>
           <a:p>
             <a:r>
-              <a:rPr lang="en-US"/>
+              <a:rPr lang="en-US" smtClean="0"/>
               <a:t>Click to edit Master title style</a:t>
             </a:r>
+            <a:endParaRPr lang="en-US"/>
           </a:p>
         </p:txBody>
       </p:sp>
@@ -2235,7 +2252,7 @@
           <a:p>
             <a:fld id="{B519623D-D8C4-D246-A1F7-180DFBDF806B}" type="datetimeFigureOut">
               <a:rPr lang="en-US" smtClean="0"/>
-              <a:t>3/25/21</a:t>
+              <a:t>1/2/18</a:t>
             </a:fld>
             <a:endParaRPr lang="en-US"/>
           </a:p>
@@ -2330,7 +2347,7 @@
           <a:p>
             <a:fld id="{B519623D-D8C4-D246-A1F7-180DFBDF806B}" type="datetimeFigureOut">
               <a:rPr lang="en-US" smtClean="0"/>
-              <a:t>3/25/21</a:t>
+              <a:t>1/2/18</a:t>
             </a:fld>
             <a:endParaRPr lang="en-US"/>
           </a:p>
@@ -2433,9 +2450,10 @@
           </a:lstStyle>
           <a:p>
             <a:r>
-              <a:rPr lang="en-US"/>
+              <a:rPr lang="en-US" smtClean="0"/>
               <a:t>Click to edit Master title style</a:t>
             </a:r>
+            <a:endParaRPr lang="en-US"/>
           </a:p>
         </p:txBody>
       </p:sp>
@@ -2489,37 +2507,38 @@
           <a:p>
             <a:pPr lvl="0"/>
             <a:r>
-              <a:rPr lang="en-US"/>
+              <a:rPr lang="en-US" smtClean="0"/>
               <a:t>Click to edit Master text styles</a:t>
             </a:r>
           </a:p>
           <a:p>
             <a:pPr lvl="1"/>
             <a:r>
-              <a:rPr lang="en-US"/>
+              <a:rPr lang="en-US" smtClean="0"/>
               <a:t>Second level</a:t>
             </a:r>
           </a:p>
           <a:p>
             <a:pPr lvl="2"/>
             <a:r>
-              <a:rPr lang="en-US"/>
+              <a:rPr lang="en-US" smtClean="0"/>
               <a:t>Third level</a:t>
             </a:r>
           </a:p>
           <a:p>
             <a:pPr lvl="3"/>
             <a:r>
-              <a:rPr lang="en-US"/>
+              <a:rPr lang="en-US" smtClean="0"/>
               <a:t>Fourth level</a:t>
             </a:r>
           </a:p>
           <a:p>
             <a:pPr lvl="4"/>
             <a:r>
-              <a:rPr lang="en-US"/>
+              <a:rPr lang="en-US" smtClean="0"/>
               <a:t>Fifth level</a:t>
             </a:r>
+            <a:endParaRPr lang="en-US"/>
           </a:p>
         </p:txBody>
       </p:sp>
@@ -2582,7 +2601,7 @@
           <a:p>
             <a:pPr lvl="0"/>
             <a:r>
-              <a:rPr lang="en-US"/>
+              <a:rPr lang="en-US" smtClean="0"/>
               <a:t>Click to edit Master text styles</a:t>
             </a:r>
           </a:p>
@@ -2605,7 +2624,7 @@
           <a:p>
             <a:fld id="{B519623D-D8C4-D246-A1F7-180DFBDF806B}" type="datetimeFigureOut">
               <a:rPr lang="en-US" smtClean="0"/>
-              <a:t>3/25/21</a:t>
+              <a:t>1/2/18</a:t>
             </a:fld>
             <a:endParaRPr lang="en-US"/>
           </a:p>
@@ -2708,9 +2727,10 @@
           </a:lstStyle>
           <a:p>
             <a:r>
-              <a:rPr lang="en-US"/>
+              <a:rPr lang="en-US" smtClean="0"/>
               <a:t>Click to edit Master title style</a:t>
             </a:r>
+            <a:endParaRPr lang="en-US"/>
           </a:p>
         </p:txBody>
       </p:sp>
@@ -2834,7 +2854,7 @@
           <a:p>
             <a:pPr lvl="0"/>
             <a:r>
-              <a:rPr lang="en-US"/>
+              <a:rPr lang="en-US" smtClean="0"/>
               <a:t>Click to edit Master text styles</a:t>
             </a:r>
           </a:p>
@@ -2857,7 +2877,7 @@
           <a:p>
             <a:fld id="{B519623D-D8C4-D246-A1F7-180DFBDF806B}" type="datetimeFigureOut">
               <a:rPr lang="en-US" smtClean="0"/>
-              <a:t>3/25/21</a:t>
+              <a:t>1/2/18</a:t>
             </a:fld>
             <a:endParaRPr lang="en-US"/>
           </a:p>
@@ -2966,9 +2986,10 @@
           <a:lstStyle/>
           <a:p>
             <a:r>
-              <a:rPr lang="en-US"/>
+              <a:rPr lang="en-US" smtClean="0"/>
               <a:t>Click to edit Master title style</a:t>
             </a:r>
+            <a:endParaRPr lang="en-US"/>
           </a:p>
         </p:txBody>
       </p:sp>
@@ -2999,37 +3020,38 @@
           <a:p>
             <a:pPr lvl="0"/>
             <a:r>
-              <a:rPr lang="en-US"/>
+              <a:rPr lang="en-US" smtClean="0"/>
               <a:t>Click to edit Master text styles</a:t>
             </a:r>
           </a:p>
           <a:p>
             <a:pPr lvl="1"/>
             <a:r>
-              <a:rPr lang="en-US"/>
+              <a:rPr lang="en-US" smtClean="0"/>
               <a:t>Second level</a:t>
             </a:r>
           </a:p>
           <a:p>
             <a:pPr lvl="2"/>
             <a:r>
-              <a:rPr lang="en-US"/>
+              <a:rPr lang="en-US" smtClean="0"/>
               <a:t>Third level</a:t>
             </a:r>
           </a:p>
           <a:p>
             <a:pPr lvl="3"/>
             <a:r>
-              <a:rPr lang="en-US"/>
+              <a:rPr lang="en-US" smtClean="0"/>
               <a:t>Fourth level</a:t>
             </a:r>
           </a:p>
           <a:p>
             <a:pPr lvl="4"/>
             <a:r>
-              <a:rPr lang="en-US"/>
+              <a:rPr lang="en-US" smtClean="0"/>
               <a:t>Fifth level</a:t>
             </a:r>
+            <a:endParaRPr lang="en-US"/>
           </a:p>
         </p:txBody>
       </p:sp>
@@ -3068,7 +3090,7 @@
           <a:p>
             <a:fld id="{B519623D-D8C4-D246-A1F7-180DFBDF806B}" type="datetimeFigureOut">
               <a:rPr lang="en-US" smtClean="0"/>
-              <a:t>3/25/21</a:t>
+              <a:t>1/2/18</a:t>
             </a:fld>
             <a:endParaRPr lang="en-US"/>
           </a:p>
@@ -3624,7 +3646,7 @@
           <a:p>
             <a:pPr algn="ctr"/>
             <a:r>
-              <a:rPr lang="en-US" i="1" dirty="0" err="1">
+              <a:rPr lang="en-US" i="1" dirty="0" err="1" smtClean="0">
                 <a:solidFill>
                   <a:schemeClr val="tx1"/>
                 </a:solidFill>
@@ -4070,7 +4092,7 @@
           <a:lstStyle/>
           <a:p>
             <a:r>
-              <a:rPr lang="en-US" i="1" dirty="0" err="1"/>
+              <a:rPr lang="en-US" i="1" dirty="0" err="1" smtClean="0"/>
               <a:t>tetR</a:t>
             </a:r>
             <a:endParaRPr lang="en-US" i="1" dirty="0"/>
@@ -4144,7 +4166,7 @@
           <a:lstStyle/>
           <a:p>
             <a:r>
-              <a:rPr lang="en-US" b="1" dirty="0">
+              <a:rPr lang="en-US" b="1" dirty="0" smtClean="0">
                 <a:solidFill>
                   <a:schemeClr val="tx1">
                     <a:lumMod val="65000"/>
@@ -4154,6 +4176,14 @@
               </a:rPr>
               <a:t>Nucleic Acid Backbone</a:t>
             </a:r>
+            <a:endParaRPr lang="en-US" b="1" dirty="0">
+              <a:solidFill>
+                <a:schemeClr val="tx1">
+                  <a:lumMod val="65000"/>
+                  <a:lumOff val="35000"/>
+                </a:schemeClr>
+              </a:solidFill>
+            </a:endParaRPr>
           </a:p>
         </p:txBody>
       </p:sp>
@@ -4181,7 +4211,7 @@
           <a:lstStyle/>
           <a:p>
             <a:r>
-              <a:rPr lang="en-US" b="1" dirty="0">
+              <a:rPr lang="en-US" b="1" dirty="0" smtClean="0">
                 <a:solidFill>
                   <a:schemeClr val="tx1">
                     <a:lumMod val="65000"/>
@@ -4191,6 +4221,14 @@
               </a:rPr>
               <a:t>Sequence Feature Glyphs</a:t>
             </a:r>
+            <a:endParaRPr lang="en-US" b="1" dirty="0">
+              <a:solidFill>
+                <a:schemeClr val="tx1">
+                  <a:lumMod val="65000"/>
+                  <a:lumOff val="35000"/>
+                </a:schemeClr>
+              </a:solidFill>
+            </a:endParaRPr>
           </a:p>
         </p:txBody>
       </p:sp>
@@ -4219,7 +4257,7 @@
           <a:p>
             <a:pPr algn="ctr"/>
             <a:r>
-              <a:rPr lang="en-US" b="1" dirty="0">
+              <a:rPr lang="en-US" b="1" dirty="0" smtClean="0">
                 <a:solidFill>
                   <a:schemeClr val="tx1">
                     <a:lumMod val="65000"/>
@@ -4233,7 +4271,7 @@
           <a:p>
             <a:pPr algn="ctr"/>
             <a:r>
-              <a:rPr lang="en-US" b="1" dirty="0">
+              <a:rPr lang="en-US" b="1" dirty="0" smtClean="0">
                 <a:solidFill>
                   <a:schemeClr val="tx1">
                     <a:lumMod val="65000"/>
@@ -4243,6 +4281,14 @@
               </a:rPr>
               <a:t>Acid Component Glyphs</a:t>
             </a:r>
+            <a:endParaRPr lang="en-US" b="1" dirty="0">
+              <a:solidFill>
+                <a:schemeClr val="tx1">
+                  <a:lumMod val="65000"/>
+                  <a:lumOff val="35000"/>
+                </a:schemeClr>
+              </a:solidFill>
+            </a:endParaRPr>
           </a:p>
         </p:txBody>
       </p:sp>
@@ -4522,7 +4568,7 @@
           <a:lstStyle/>
           <a:p>
             <a:r>
-              <a:rPr lang="en-US" b="1">
+              <a:rPr lang="en-US" b="1" smtClean="0">
                 <a:solidFill>
                   <a:schemeClr val="tx1">
                     <a:lumMod val="65000"/>
@@ -4739,7 +4785,7 @@
           <a:lstStyle/>
           <a:p>
             <a:r>
-              <a:rPr lang="en-US" b="1" dirty="0">
+              <a:rPr lang="en-US" b="1" dirty="0" smtClean="0">
                 <a:solidFill>
                   <a:schemeClr val="tx1">
                     <a:lumMod val="65000"/>
@@ -4749,6 +4795,14 @@
               </a:rPr>
               <a:t>Interactions</a:t>
             </a:r>
+            <a:endParaRPr lang="en-US" b="1" dirty="0">
+              <a:solidFill>
+                <a:schemeClr val="tx1">
+                  <a:lumMod val="65000"/>
+                  <a:lumOff val="35000"/>
+                </a:schemeClr>
+              </a:solidFill>
+            </a:endParaRPr>
           </a:p>
         </p:txBody>
       </p:sp>
@@ -4795,6 +4849,65 @@
           </a:fontRef>
         </p:style>
       </p:cxnSp>
+      <p:sp>
+        <p:nvSpPr>
+          <p:cNvPr id="40" name="Oval 39"/>
+          <p:cNvSpPr/>
+          <p:nvPr/>
+        </p:nvSpPr>
+        <p:spPr>
+          <a:xfrm>
+            <a:off x="4739128" y="2110096"/>
+            <a:ext cx="734572" cy="432955"/>
+          </a:xfrm>
+          <a:prstGeom prst="ellipse">
+            <a:avLst/>
+          </a:prstGeom>
+          <a:solidFill>
+            <a:srgbClr val="008000"/>
+          </a:solidFill>
+          <a:ln w="38100" cmpd="sng">
+            <a:solidFill>
+              <a:schemeClr val="tx1"/>
+            </a:solidFill>
+          </a:ln>
+          <a:effectLst/>
+        </p:spPr>
+        <p:style>
+          <a:lnRef idx="1">
+            <a:schemeClr val="accent1"/>
+          </a:lnRef>
+          <a:fillRef idx="3">
+            <a:schemeClr val="accent1"/>
+          </a:fillRef>
+          <a:effectRef idx="2">
+            <a:schemeClr val="accent1"/>
+          </a:effectRef>
+          <a:fontRef idx="minor">
+            <a:schemeClr val="lt1"/>
+          </a:fontRef>
+        </p:style>
+        <p:txBody>
+          <a:bodyPr wrap="none" rtlCol="0" anchor="ctr"/>
+          <a:lstStyle/>
+          <a:p>
+            <a:pPr algn="ctr"/>
+            <a:r>
+              <a:rPr lang="en-US" dirty="0" smtClean="0">
+                <a:solidFill>
+                  <a:srgbClr val="000000"/>
+                </a:solidFill>
+              </a:rPr>
+              <a:t>GFP</a:t>
+            </a:r>
+            <a:endParaRPr lang="en-US" dirty="0">
+              <a:solidFill>
+                <a:srgbClr val="000000"/>
+              </a:solidFill>
+            </a:endParaRPr>
+          </a:p>
+        </p:txBody>
+      </p:sp>
       <p:cxnSp>
         <p:nvCxnSpPr>
           <p:cNvPr id="41" name="Straight Connector 21"/>
@@ -4902,7 +5015,7 @@
           <a:lstStyle/>
           <a:p>
             <a:r>
-              <a:rPr lang="en-US" b="1">
+              <a:rPr lang="en-US" b="1" smtClean="0">
                 <a:solidFill>
                   <a:schemeClr val="tx1">
                     <a:lumMod val="65000"/>
@@ -4927,7 +5040,7 @@
         <p:nvCxnSpPr>
           <p:cNvPr id="46" name="Straight Connector 45"/>
           <p:cNvCxnSpPr>
-            <a:cxnSpLocks/>
+            <a:endCxn id="40" idx="1"/>
           </p:cNvCxnSpPr>
           <p:nvPr/>
         </p:nvCxnSpPr>
@@ -5004,68 +5117,6 @@
           </a:fontRef>
         </p:style>
       </p:cxnSp>
-      <p:sp>
-        <p:nvSpPr>
-          <p:cNvPr id="2" name="Rounded Rectangle 1">
-            <a:extLst>
-              <a:ext uri="{FF2B5EF4-FFF2-40B4-BE49-F238E27FC236}">
-                <a16:creationId xmlns:a16="http://schemas.microsoft.com/office/drawing/2014/main" id="{82389E09-9248-7143-80F2-54DE128CE885}"/>
-              </a:ext>
-            </a:extLst>
-          </p:cNvPr>
-          <p:cNvSpPr/>
-          <p:nvPr/>
-        </p:nvSpPr>
-        <p:spPr>
-          <a:xfrm>
-            <a:off x="4739128" y="2094584"/>
-            <a:ext cx="734572" cy="429768"/>
-          </a:xfrm>
-          <a:prstGeom prst="roundRect">
-            <a:avLst>
-              <a:gd name="adj" fmla="val 50000"/>
-            </a:avLst>
-          </a:prstGeom>
-          <a:solidFill>
-            <a:srgbClr val="008000"/>
-          </a:solidFill>
-          <a:ln w="38100">
-            <a:solidFill>
-              <a:schemeClr val="tx1"/>
-            </a:solidFill>
-          </a:ln>
-          <a:effectLst/>
-        </p:spPr>
-        <p:style>
-          <a:lnRef idx="1">
-            <a:schemeClr val="accent1"/>
-          </a:lnRef>
-          <a:fillRef idx="3">
-            <a:schemeClr val="accent1"/>
-          </a:fillRef>
-          <a:effectRef idx="2">
-            <a:schemeClr val="accent1"/>
-          </a:effectRef>
-          <a:fontRef idx="minor">
-            <a:schemeClr val="lt1"/>
-          </a:fontRef>
-        </p:style>
-        <p:txBody>
-          <a:bodyPr rtlCol="0" anchor="ctr"/>
-          <a:lstStyle/>
-          <a:p>
-            <a:pPr algn="ctr"/>
-            <a:r>
-              <a:rPr lang="en-US" dirty="0">
-                <a:solidFill>
-                  <a:sysClr val="windowText" lastClr="000000"/>
-                </a:solidFill>
-              </a:rPr>
-              <a:t>GFP</a:t>
-            </a:r>
-          </a:p>
-        </p:txBody>
-      </p:sp>
     </p:spTree>
     <p:extLst>
       <p:ext uri="{BB962C8B-B14F-4D97-AF65-F5344CB8AC3E}">
@@ -5076,6 +5127,13 @@
   <p:clrMapOvr>
     <a:masterClrMapping/>
   </p:clrMapOvr>
+  <p:timing>
+    <p:tnLst>
+      <p:par>
+        <p:cTn id="1" dur="indefinite" restart="never" nodeType="tmRoot"/>
+      </p:par>
+    </p:tnLst>
+  </p:timing>
 </p:sld>
 </file>
 
@@ -5179,7 +5237,7 @@
           <a:p>
             <a:pPr algn="ctr"/>
             <a:r>
-              <a:rPr lang="en-US" i="1" dirty="0">
+              <a:rPr lang="en-US" i="1" dirty="0" smtClean="0">
                 <a:solidFill>
                   <a:schemeClr val="tx2"/>
                 </a:solidFill>
@@ -5190,13 +5248,18 @@
           <a:p>
             <a:pPr algn="ctr"/>
             <a:r>
-              <a:rPr lang="en-US" i="1" dirty="0">
+              <a:rPr lang="en-US" i="1" dirty="0" smtClean="0">
                 <a:solidFill>
                   <a:schemeClr val="tx2"/>
                 </a:solidFill>
               </a:rPr>
               <a:t>+ Strand</a:t>
             </a:r>
+            <a:endParaRPr lang="en-US" i="1" dirty="0">
+              <a:solidFill>
+                <a:schemeClr val="tx2"/>
+              </a:solidFill>
+            </a:endParaRPr>
           </a:p>
         </p:txBody>
       </p:sp>
@@ -5243,7 +5306,7 @@
           <a:p>
             <a:pPr algn="ctr"/>
             <a:r>
-              <a:rPr lang="en-US" i="1" dirty="0">
+              <a:rPr lang="en-US" i="1" dirty="0" smtClean="0">
                 <a:solidFill>
                   <a:schemeClr val="tx2"/>
                 </a:solidFill>
@@ -5254,13 +5317,18 @@
           <a:p>
             <a:pPr algn="ctr"/>
             <a:r>
-              <a:rPr lang="en-US" i="1" dirty="0">
+              <a:rPr lang="en-US" i="1" dirty="0" smtClean="0">
                 <a:solidFill>
                   <a:schemeClr val="tx2"/>
                 </a:solidFill>
               </a:rPr>
               <a:t>- Strand</a:t>
             </a:r>
+            <a:endParaRPr lang="en-US" i="1" dirty="0">
+              <a:solidFill>
+                <a:schemeClr val="tx2"/>
+              </a:solidFill>
+            </a:endParaRPr>
           </a:p>
         </p:txBody>
       </p:sp>
@@ -5307,13 +5375,18 @@
           <a:p>
             <a:pPr algn="ctr"/>
             <a:r>
-              <a:rPr lang="en-US" i="1" dirty="0">
+              <a:rPr lang="en-US" i="1" dirty="0" smtClean="0">
                 <a:solidFill>
                   <a:schemeClr val="tx2"/>
                 </a:solidFill>
               </a:rPr>
               <a:t>Sequence Feature</a:t>
             </a:r>
+            <a:endParaRPr lang="en-US" i="1" dirty="0">
+              <a:solidFill>
+                <a:schemeClr val="tx2"/>
+              </a:solidFill>
+            </a:endParaRPr>
           </a:p>
         </p:txBody>
       </p:sp>
@@ -5341,7 +5414,7 @@
           <a:lstStyle/>
           <a:p>
             <a:r>
-              <a:rPr lang="en-US" i="1">
+              <a:rPr lang="en-US" i="1" smtClean="0">
                 <a:solidFill>
                   <a:schemeClr val="tx2"/>
                 </a:solidFill>
@@ -5399,13 +5472,18 @@
           <a:p>
             <a:pPr algn="ctr"/>
             <a:r>
-              <a:rPr lang="en-US" i="1" dirty="0">
+              <a:rPr lang="en-US" i="1" dirty="0" smtClean="0">
                 <a:solidFill>
                   <a:schemeClr val="tx2"/>
                 </a:solidFill>
               </a:rPr>
               <a:t>Annotation</a:t>
             </a:r>
+            <a:endParaRPr lang="en-US" i="1" dirty="0">
+              <a:solidFill>
+                <a:schemeClr val="tx2"/>
+              </a:solidFill>
+            </a:endParaRPr>
           </a:p>
         </p:txBody>
       </p:sp>
@@ -5452,13 +5530,18 @@
           <a:p>
             <a:pPr algn="ctr"/>
             <a:r>
-              <a:rPr lang="en-US" i="1" dirty="0">
+              <a:rPr lang="en-US" i="1" dirty="0" smtClean="0">
                 <a:solidFill>
                   <a:schemeClr val="tx2"/>
                 </a:solidFill>
               </a:rPr>
               <a:t>Molecular Species</a:t>
             </a:r>
+            <a:endParaRPr lang="en-US" i="1" dirty="0">
+              <a:solidFill>
+                <a:schemeClr val="tx2"/>
+              </a:solidFill>
+            </a:endParaRPr>
           </a:p>
         </p:txBody>
       </p:sp>
@@ -5505,13 +5588,18 @@
           <a:p>
             <a:pPr algn="ctr"/>
             <a:r>
-              <a:rPr lang="en-US" i="1" dirty="0">
+              <a:rPr lang="en-US" i="1" dirty="0" smtClean="0">
                 <a:solidFill>
                   <a:schemeClr val="tx2"/>
                 </a:solidFill>
               </a:rPr>
               <a:t>Molecular Species</a:t>
             </a:r>
+            <a:endParaRPr lang="en-US" i="1" dirty="0">
+              <a:solidFill>
+                <a:schemeClr val="tx2"/>
+              </a:solidFill>
+            </a:endParaRPr>
           </a:p>
         </p:txBody>
       </p:sp>
@@ -5671,13 +5759,18 @@
           <a:lstStyle/>
           <a:p>
             <a:r>
-              <a:rPr lang="en-US" i="1" dirty="0">
+              <a:rPr lang="en-US" i="1" dirty="0" smtClean="0">
                 <a:solidFill>
                   <a:schemeClr val="tx2"/>
                 </a:solidFill>
               </a:rPr>
               <a:t>Interaction</a:t>
             </a:r>
+            <a:endParaRPr lang="en-US" i="1" dirty="0">
+              <a:solidFill>
+                <a:schemeClr val="tx2"/>
+              </a:solidFill>
+            </a:endParaRPr>
           </a:p>
         </p:txBody>
       </p:sp>
@@ -5705,13 +5798,18 @@
           <a:lstStyle/>
           <a:p>
             <a:r>
-              <a:rPr lang="en-US" i="1" dirty="0">
+              <a:rPr lang="en-US" i="1" dirty="0" smtClean="0">
                 <a:solidFill>
                   <a:schemeClr val="tx2"/>
                 </a:solidFill>
               </a:rPr>
               <a:t>Interaction</a:t>
             </a:r>
+            <a:endParaRPr lang="en-US" i="1" dirty="0">
+              <a:solidFill>
+                <a:schemeClr val="tx2"/>
+              </a:solidFill>
+            </a:endParaRPr>
           </a:p>
         </p:txBody>
       </p:sp>
@@ -5739,13 +5837,18 @@
           <a:lstStyle/>
           <a:p>
             <a:r>
-              <a:rPr lang="en-US" i="1" dirty="0">
+              <a:rPr lang="en-US" i="1" dirty="0" smtClean="0">
                 <a:solidFill>
                   <a:schemeClr val="tx2"/>
                 </a:solidFill>
               </a:rPr>
               <a:t>Interaction</a:t>
             </a:r>
+            <a:endParaRPr lang="en-US" i="1" dirty="0">
+              <a:solidFill>
+                <a:schemeClr val="tx2"/>
+              </a:solidFill>
+            </a:endParaRPr>
           </a:p>
         </p:txBody>
       </p:sp>
@@ -5759,6 +5862,13 @@
   <p:clrMapOvr>
     <a:masterClrMapping/>
   </p:clrMapOvr>
+  <p:timing>
+    <p:tnLst>
+      <p:par>
+        <p:cTn id="1" dur="indefinite" restart="never" nodeType="tmRoot"/>
+      </p:par>
+    </p:tnLst>
+  </p:timing>
 </p:sld>
 </file>
 
